--- a/docs/Spring/A Quick and Easy Guide to Hosting React.pptx
+++ b/docs/Spring/A Quick and Easy Guide to Hosting React.pptx
@@ -7284,7 +7284,7 @@
             </a:pPr>
             <a:r>
               <a:rPr lang="en-US" dirty="0"/>
-              <a:t>Navigate back to your Route 53 hosted zone, and change your alias to point from S3 to CloudFront</a:t>
+              <a:t>Navigate back to your Route 53 hosted zone, and change your alias pointing to S3 to point to CloudFront instead</a:t>
             </a:r>
             <a:br>
               <a:rPr lang="en-US" dirty="0"/>
@@ -7865,23 +7865,6 @@
 </file>
 
 <file path=customXml/item1.xml><?xml version="1.0" encoding="utf-8"?>
-<p:properties xmlns:p="http://schemas.microsoft.com/office/2006/metadata/properties" xmlns:xsi="http://www.w3.org/2001/XMLSchema-instance" xmlns:pc="http://schemas.microsoft.com/office/infopath/2007/PartnerControls">
-  <documentManagement>
-    <MediaServiceKeyPoints xmlns="71af3243-3dd4-4a8d-8c0d-dd76da1f02a5" xsi:nil="true"/>
-  </documentManagement>
-</p:properties>
-</file>
-
-<file path=customXml/item2.xml><?xml version="1.0" encoding="utf-8"?>
-<?mso-contentType ?>
-<FormTemplates xmlns="http://schemas.microsoft.com/sharepoint/v3/contenttype/forms">
-  <Display>DocumentLibraryForm</Display>
-  <Edit>DocumentLibraryForm</Edit>
-  <New>DocumentLibraryForm</New>
-</FormTemplates>
-</file>
-
-<file path=customXml/item3.xml><?xml version="1.0" encoding="utf-8"?>
 <ct:contentTypeSchema xmlns:ct="http://schemas.microsoft.com/office/2006/metadata/contentType" xmlns:ma="http://schemas.microsoft.com/office/2006/metadata/properties/metaAttributes" ct:_="" ma:_="" ma:contentTypeName="Document" ma:contentTypeID="0x01010079F111ED35F8CC479449609E8A0923A6" ma:contentTypeVersion="11" ma:contentTypeDescription="Create a new document." ma:contentTypeScope="" ma:versionID="9677210f24a1be23c92c90fd886aa0aa">
   <xsd:schema xmlns:xsd="http://www.w3.org/2001/XMLSchema" xmlns:xs="http://www.w3.org/2001/XMLSchema" xmlns:p="http://schemas.microsoft.com/office/2006/metadata/properties" xmlns:ns2="71af3243-3dd4-4a8d-8c0d-dd76da1f02a5" xmlns:ns3="16c05727-aa75-4e4a-9b5f-8a80a1165891" targetNamespace="http://schemas.microsoft.com/office/2006/metadata/properties" ma:root="true" ma:fieldsID="60e05723c5c1908df1a1a4ebf11d344e" ns2:_="" ns3:_="">
     <xsd:import namespace="71af3243-3dd4-4a8d-8c0d-dd76da1f02a5"/>
@@ -8092,25 +8075,24 @@
 </ct:contentTypeSchema>
 </file>
 
-<file path=customXml/itemProps1.xml><?xml version="1.0" encoding="utf-8"?>
-<ds:datastoreItem xmlns:ds="http://schemas.openxmlformats.org/officeDocument/2006/customXml" ds:itemID="{D7023227-530E-4024-91EF-312A851A758C}">
-  <ds:schemaRefs>
-    <ds:schemaRef ds:uri="http://schemas.microsoft.com/office/2006/metadata/properties"/>
-    <ds:schemaRef ds:uri="http://schemas.microsoft.com/office/infopath/2007/PartnerControls"/>
-    <ds:schemaRef ds:uri="71af3243-3dd4-4a8d-8c0d-dd76da1f02a5"/>
-  </ds:schemaRefs>
-</ds:datastoreItem>
+<file path=customXml/item2.xml><?xml version="1.0" encoding="utf-8"?>
+<?mso-contentType ?>
+<FormTemplates xmlns="http://schemas.microsoft.com/sharepoint/v3/contenttype/forms">
+  <Display>DocumentLibraryForm</Display>
+  <Edit>DocumentLibraryForm</Edit>
+  <New>DocumentLibraryForm</New>
+</FormTemplates>
 </file>
 
-<file path=customXml/itemProps2.xml><?xml version="1.0" encoding="utf-8"?>
-<ds:datastoreItem xmlns:ds="http://schemas.openxmlformats.org/officeDocument/2006/customXml" ds:itemID="{33315AA3-EAE3-44ED-8368-BAC2FFFB4817}">
-  <ds:schemaRefs>
-    <ds:schemaRef ds:uri="http://schemas.microsoft.com/sharepoint/v3/contenttype/forms"/>
-  </ds:schemaRefs>
-</ds:datastoreItem>
+<file path=customXml/item3.xml><?xml version="1.0" encoding="utf-8"?>
+<p:properties xmlns:p="http://schemas.microsoft.com/office/2006/metadata/properties" xmlns:xsi="http://www.w3.org/2001/XMLSchema-instance" xmlns:pc="http://schemas.microsoft.com/office/infopath/2007/PartnerControls">
+  <documentManagement>
+    <MediaServiceKeyPoints xmlns="71af3243-3dd4-4a8d-8c0d-dd76da1f02a5" xsi:nil="true"/>
+  </documentManagement>
+</p:properties>
 </file>
 
-<file path=customXml/itemProps3.xml><?xml version="1.0" encoding="utf-8"?>
+<file path=customXml/itemProps1.xml><?xml version="1.0" encoding="utf-8"?>
 <ds:datastoreItem xmlns:ds="http://schemas.openxmlformats.org/officeDocument/2006/customXml" ds:itemID="{627C19A7-3107-4CB2-BD0D-F7C79BE028CC}">
   <ds:schemaRefs>
     <ds:schemaRef ds:uri="http://schemas.microsoft.com/office/2006/metadata/contentType"/>
@@ -8127,4 +8109,22 @@
     <ds:schemaRef ds:uri="http://schemas.microsoft.com/internal/obd"/>
   </ds:schemaRefs>
 </ds:datastoreItem>
+</file>
+
+<file path=customXml/itemProps2.xml><?xml version="1.0" encoding="utf-8"?>
+<ds:datastoreItem xmlns:ds="http://schemas.openxmlformats.org/officeDocument/2006/customXml" ds:itemID="{33315AA3-EAE3-44ED-8368-BAC2FFFB4817}">
+  <ds:schemaRefs>
+    <ds:schemaRef ds:uri="http://schemas.microsoft.com/sharepoint/v3/contenttype/forms"/>
+  </ds:schemaRefs>
+</ds:datastoreItem>
+</file>
+
+<file path=customXml/itemProps3.xml><?xml version="1.0" encoding="utf-8"?>
+<ds:datastoreItem xmlns:ds="http://schemas.openxmlformats.org/officeDocument/2006/customXml" ds:itemID="{D7023227-530E-4024-91EF-312A851A758C}">
+  <ds:schemaRefs>
+    <ds:schemaRef ds:uri="http://schemas.microsoft.com/office/2006/metadata/properties"/>
+    <ds:schemaRef ds:uri="http://schemas.microsoft.com/office/infopath/2007/PartnerControls"/>
+    <ds:schemaRef ds:uri="71af3243-3dd4-4a8d-8c0d-dd76da1f02a5"/>
+  </ds:schemaRefs>
+</ds:datastoreItem>
 </file>
--- a/docs/Spring/A Quick and Easy Guide to Hosting React.pptx
+++ b/docs/Spring/A Quick and Easy Guide to Hosting React.pptx
@@ -5,13 +5,15 @@
     <p:sldMasterId id="2147483668" r:id="rId4"/>
   </p:sldMasterIdLst>
   <p:notesMasterIdLst>
-    <p:notesMasterId r:id="rId9"/>
+    <p:notesMasterId r:id="rId11"/>
   </p:notesMasterIdLst>
   <p:sldIdLst>
     <p:sldId id="260" r:id="rId5"/>
     <p:sldId id="257" r:id="rId6"/>
     <p:sldId id="261" r:id="rId7"/>
     <p:sldId id="262" r:id="rId8"/>
+    <p:sldId id="263" r:id="rId9"/>
+    <p:sldId id="264" r:id="rId10"/>
   </p:sldIdLst>
   <p:sldSz cx="12192000" cy="6858000"/>
   <p:notesSz cx="6858000" cy="9144000"/>
@@ -7310,6 +7312,2461 @@
   <p:clrMapOvr>
     <a:overrideClrMapping bg1="dk1" tx1="lt1" bg2="dk2" tx2="lt2" accent1="accent1" accent2="accent2" accent3="accent3" accent4="accent4" accent5="accent5" accent6="accent6" hlink="hlink" folHlink="folHlink"/>
   </p:clrMapOvr>
+</p:sld>
+</file>
+
+<file path=ppt/slides/slide5.xml><?xml version="1.0" encoding="utf-8"?>
+<p:sld xmlns:a="http://schemas.openxmlformats.org/drawingml/2006/main" xmlns:r="http://schemas.openxmlformats.org/officeDocument/2006/relationships" xmlns:p="http://schemas.openxmlformats.org/presentationml/2006/main">
+  <p:cSld>
+    <p:bg>
+      <p:bgPr>
+        <a:solidFill>
+          <a:schemeClr val="bg2"/>
+        </a:solidFill>
+        <a:effectLst/>
+      </p:bgPr>
+    </p:bg>
+    <p:spTree>
+      <p:nvGrpSpPr>
+        <p:cNvPr id="1" name=""/>
+        <p:cNvGrpSpPr/>
+        <p:nvPr/>
+      </p:nvGrpSpPr>
+      <p:grpSpPr>
+        <a:xfrm>
+          <a:off x="0" y="0"/>
+          <a:ext cx="0" cy="0"/>
+          <a:chOff x="0" y="0"/>
+          <a:chExt cx="0" cy="0"/>
+        </a:xfrm>
+      </p:grpSpPr>
+      <p:sp>
+        <p:nvSpPr>
+          <p:cNvPr id="2" name="Title 1">
+            <a:extLst>
+              <a:ext uri="{FF2B5EF4-FFF2-40B4-BE49-F238E27FC236}">
+                <a16:creationId xmlns:a16="http://schemas.microsoft.com/office/drawing/2014/main" id="{C7492CCE-C435-464E-A19A-D4C606FDBE3D}"/>
+              </a:ext>
+            </a:extLst>
+          </p:cNvPr>
+          <p:cNvSpPr>
+            <a:spLocks noGrp="1"/>
+          </p:cNvSpPr>
+          <p:nvPr>
+            <p:ph type="title"/>
+          </p:nvPr>
+        </p:nvSpPr>
+        <p:spPr>
+          <a:xfrm>
+            <a:off x="1703344" y="-360286"/>
+            <a:ext cx="9384865" cy="1752599"/>
+          </a:xfrm>
+        </p:spPr>
+        <p:txBody>
+          <a:bodyPr>
+            <a:normAutofit/>
+          </a:bodyPr>
+          <a:lstStyle/>
+          <a:p>
+            <a:pPr algn="l"/>
+            <a:r>
+              <a:rPr lang="en-US" dirty="0"/>
+              <a:t>Backend Options</a:t>
+            </a:r>
+          </a:p>
+        </p:txBody>
+      </p:sp>
+      <p:sp>
+        <p:nvSpPr>
+          <p:cNvPr id="20" name="TextBox 19">
+            <a:extLst>
+              <a:ext uri="{FF2B5EF4-FFF2-40B4-BE49-F238E27FC236}">
+                <a16:creationId xmlns:a16="http://schemas.microsoft.com/office/drawing/2014/main" id="{E1C8668D-2BCA-455D-B054-A840633E1F6D}"/>
+              </a:ext>
+            </a:extLst>
+          </p:cNvPr>
+          <p:cNvSpPr txBox="1"/>
+          <p:nvPr/>
+        </p:nvSpPr>
+        <p:spPr>
+          <a:xfrm>
+            <a:off x="1609725" y="928821"/>
+            <a:ext cx="4391025" cy="5355312"/>
+          </a:xfrm>
+          <a:prstGeom prst="rect">
+            <a:avLst/>
+          </a:prstGeom>
+          <a:noFill/>
+        </p:spPr>
+        <p:txBody>
+          <a:bodyPr wrap="square" rtlCol="0">
+            <a:spAutoFit/>
+          </a:bodyPr>
+          <a:lstStyle/>
+          <a:p>
+            <a:pPr marL="285750" indent="-285750">
+              <a:buFont typeface="Arial" panose="020B0604020202020204" pitchFamily="34" charset="0"/>
+              <a:buChar char="•"/>
+            </a:pPr>
+            <a:r>
+              <a:rPr lang="en-US" dirty="0"/>
+              <a:t>Amazon S3 provides simple, scalable object storage</a:t>
+            </a:r>
+            <a:br>
+              <a:rPr lang="en-US" dirty="0"/>
+            </a:br>
+            <a:endParaRPr lang="en-US" dirty="0"/>
+          </a:p>
+          <a:p>
+            <a:pPr marL="742950" lvl="1" indent="-285750">
+              <a:buFont typeface="Arial" panose="020B0604020202020204" pitchFamily="34" charset="0"/>
+              <a:buChar char="•"/>
+            </a:pPr>
+            <a:r>
+              <a:rPr lang="en-US" dirty="0"/>
+              <a:t>S3 Infrequent Access</a:t>
+            </a:r>
+          </a:p>
+          <a:p>
+            <a:pPr marL="742950" lvl="1" indent="-285750">
+              <a:buFont typeface="Arial" panose="020B0604020202020204" pitchFamily="34" charset="0"/>
+              <a:buChar char="•"/>
+            </a:pPr>
+            <a:r>
+              <a:rPr lang="en-US" dirty="0"/>
+              <a:t>S3 Glacier</a:t>
+            </a:r>
+            <a:br>
+              <a:rPr lang="en-US" dirty="0"/>
+            </a:br>
+            <a:endParaRPr lang="en-US" dirty="0"/>
+          </a:p>
+          <a:p>
+            <a:pPr marL="285750" indent="-285750">
+              <a:buFont typeface="Arial" panose="020B0604020202020204" pitchFamily="34" charset="0"/>
+              <a:buChar char="•"/>
+            </a:pPr>
+            <a:r>
+              <a:rPr lang="en-US" dirty="0"/>
+              <a:t>Amazon RDS gives us multiple database hosting options</a:t>
+            </a:r>
+            <a:br>
+              <a:rPr lang="en-US" dirty="0"/>
+            </a:br>
+            <a:endParaRPr lang="en-US" dirty="0"/>
+          </a:p>
+          <a:p>
+            <a:pPr marL="742950" lvl="1" indent="-285750">
+              <a:buFont typeface="Arial" panose="020B0604020202020204" pitchFamily="34" charset="0"/>
+              <a:buChar char="•"/>
+            </a:pPr>
+            <a:r>
+              <a:rPr lang="en-US" dirty="0"/>
+              <a:t>Navigate to RDS</a:t>
+            </a:r>
+          </a:p>
+          <a:p>
+            <a:pPr marL="742950" lvl="1" indent="-285750">
+              <a:buFont typeface="Arial" panose="020B0604020202020204" pitchFamily="34" charset="0"/>
+              <a:buChar char="•"/>
+            </a:pPr>
+            <a:r>
+              <a:rPr lang="en-US" dirty="0"/>
+              <a:t>Configure and create database</a:t>
+            </a:r>
+          </a:p>
+          <a:p>
+            <a:pPr marL="742950" lvl="1" indent="-285750">
+              <a:buFont typeface="Arial" panose="020B0604020202020204" pitchFamily="34" charset="0"/>
+              <a:buChar char="•"/>
+            </a:pPr>
+            <a:r>
+              <a:rPr lang="en-US" dirty="0"/>
+              <a:t>Note the endpoint for the newly created database</a:t>
+            </a:r>
+            <a:br>
+              <a:rPr lang="en-US" dirty="0"/>
+            </a:br>
+            <a:endParaRPr lang="en-US" dirty="0"/>
+          </a:p>
+          <a:p>
+            <a:pPr marL="285750" indent="-285750">
+              <a:buFont typeface="Arial" panose="020B0604020202020204" pitchFamily="34" charset="0"/>
+              <a:buChar char="•"/>
+            </a:pPr>
+            <a:r>
+              <a:rPr lang="en-US" dirty="0"/>
+              <a:t>Code execution options</a:t>
+            </a:r>
+          </a:p>
+          <a:p>
+            <a:pPr marL="742950" lvl="1" indent="-285750">
+              <a:buFont typeface="Arial" panose="020B0604020202020204" pitchFamily="34" charset="0"/>
+              <a:buChar char="•"/>
+            </a:pPr>
+            <a:r>
+              <a:rPr lang="en-US" dirty="0"/>
+              <a:t>Amazon EC2</a:t>
+            </a:r>
+          </a:p>
+          <a:p>
+            <a:pPr marL="742950" lvl="1" indent="-285750">
+              <a:buFont typeface="Arial" panose="020B0604020202020204" pitchFamily="34" charset="0"/>
+              <a:buChar char="•"/>
+            </a:pPr>
+            <a:r>
+              <a:rPr lang="en-US" dirty="0"/>
+              <a:t>AWS Lambda</a:t>
+            </a:r>
+            <a:br>
+              <a:rPr lang="en-US" dirty="0"/>
+            </a:br>
+            <a:endParaRPr lang="en-US" dirty="0"/>
+          </a:p>
+          <a:p>
+            <a:pPr marL="285750" indent="-285750">
+              <a:buFont typeface="Arial" panose="020B0604020202020204" pitchFamily="34" charset="0"/>
+              <a:buChar char="•"/>
+            </a:pPr>
+            <a:endParaRPr lang="en-US" dirty="0"/>
+          </a:p>
+        </p:txBody>
+      </p:sp>
+      <p:grpSp>
+        <p:nvGrpSpPr>
+          <p:cNvPr id="25" name="Group 24">
+            <a:extLst>
+              <a:ext uri="{FF2B5EF4-FFF2-40B4-BE49-F238E27FC236}">
+                <a16:creationId xmlns:a16="http://schemas.microsoft.com/office/drawing/2014/main" id="{7A795DE7-E9A1-486B-94FA-EED9C30DC63E}"/>
+              </a:ext>
+            </a:extLst>
+          </p:cNvPr>
+          <p:cNvGrpSpPr/>
+          <p:nvPr/>
+        </p:nvGrpSpPr>
+        <p:grpSpPr>
+          <a:xfrm>
+            <a:off x="7809015" y="1441977"/>
+            <a:ext cx="2590380" cy="3555049"/>
+            <a:chOff x="7809015" y="1441977"/>
+            <a:chExt cx="2590380" cy="3555049"/>
+          </a:xfrm>
+        </p:grpSpPr>
+        <p:pic>
+          <p:nvPicPr>
+            <p:cNvPr id="4" name="Graphic 3">
+              <a:extLst>
+                <a:ext uri="{FF2B5EF4-FFF2-40B4-BE49-F238E27FC236}">
+                  <a16:creationId xmlns:a16="http://schemas.microsoft.com/office/drawing/2014/main" id="{63E37DB6-FC41-48D2-B9C9-AF64E2C5E786}"/>
+                </a:ext>
+              </a:extLst>
+            </p:cNvPr>
+            <p:cNvPicPr>
+              <a:picLocks noChangeAspect="1"/>
+            </p:cNvPicPr>
+            <p:nvPr/>
+          </p:nvPicPr>
+          <p:blipFill>
+            <a:blip r:embed="rId2">
+              <a:extLst>
+                <a:ext uri="{96DAC541-7B7A-43D3-8B79-37D633B846F1}">
+                  <asvg:svgBlip xmlns:asvg="http://schemas.microsoft.com/office/drawing/2016/SVG/main" r:embed="rId3"/>
+                </a:ext>
+              </a:extLst>
+            </a:blip>
+            <a:stretch>
+              <a:fillRect/>
+            </a:stretch>
+          </p:blipFill>
+          <p:spPr>
+            <a:xfrm>
+              <a:off x="7809015" y="1860973"/>
+              <a:ext cx="2590380" cy="3136053"/>
+            </a:xfrm>
+            <a:prstGeom prst="rect">
+              <a:avLst/>
+            </a:prstGeom>
+          </p:spPr>
+        </p:pic>
+        <p:sp>
+          <p:nvSpPr>
+            <p:cNvPr id="9" name="TextBox 8">
+              <a:extLst>
+                <a:ext uri="{FF2B5EF4-FFF2-40B4-BE49-F238E27FC236}">
+                  <a16:creationId xmlns:a16="http://schemas.microsoft.com/office/drawing/2014/main" id="{11CEDE96-38B5-42C1-ADB3-4EF49D142E98}"/>
+                </a:ext>
+              </a:extLst>
+            </p:cNvPr>
+            <p:cNvSpPr txBox="1"/>
+            <p:nvPr/>
+          </p:nvSpPr>
+          <p:spPr>
+            <a:xfrm>
+              <a:off x="8476885" y="1441977"/>
+              <a:ext cx="1254639" cy="369332"/>
+            </a:xfrm>
+            <a:prstGeom prst="rect">
+              <a:avLst/>
+            </a:prstGeom>
+            <a:noFill/>
+          </p:spPr>
+          <p:txBody>
+            <a:bodyPr wrap="none" rtlCol="0">
+              <a:spAutoFit/>
+            </a:bodyPr>
+            <a:lstStyle/>
+            <a:p>
+              <a:r>
+                <a:rPr lang="en-US" dirty="0"/>
+                <a:t>Amazon S3</a:t>
+              </a:r>
+            </a:p>
+          </p:txBody>
+        </p:sp>
+      </p:grpSp>
+      <p:grpSp>
+        <p:nvGrpSpPr>
+          <p:cNvPr id="26" name="Group 25">
+            <a:extLst>
+              <a:ext uri="{FF2B5EF4-FFF2-40B4-BE49-F238E27FC236}">
+                <a16:creationId xmlns:a16="http://schemas.microsoft.com/office/drawing/2014/main" id="{2185C93B-82A5-4F83-8307-C842A5D3CF0F}"/>
+              </a:ext>
+            </a:extLst>
+          </p:cNvPr>
+          <p:cNvGrpSpPr/>
+          <p:nvPr/>
+        </p:nvGrpSpPr>
+        <p:grpSpPr>
+          <a:xfrm>
+            <a:off x="7809015" y="1441977"/>
+            <a:ext cx="2590380" cy="3448967"/>
+            <a:chOff x="7809015" y="1441977"/>
+            <a:chExt cx="2590380" cy="3448967"/>
+          </a:xfrm>
+        </p:grpSpPr>
+        <p:pic>
+          <p:nvPicPr>
+            <p:cNvPr id="8" name="Picture 7" descr="Chart, pie chart&#10;&#10;Description automatically generated">
+              <a:extLst>
+                <a:ext uri="{FF2B5EF4-FFF2-40B4-BE49-F238E27FC236}">
+                  <a16:creationId xmlns:a16="http://schemas.microsoft.com/office/drawing/2014/main" id="{4C39E1A7-94B8-4145-9309-FACA1C153B09}"/>
+                </a:ext>
+              </a:extLst>
+            </p:cNvPr>
+            <p:cNvPicPr>
+              <a:picLocks noChangeAspect="1"/>
+            </p:cNvPicPr>
+            <p:nvPr/>
+          </p:nvPicPr>
+          <p:blipFill>
+            <a:blip r:embed="rId4"/>
+            <a:stretch>
+              <a:fillRect/>
+            </a:stretch>
+          </p:blipFill>
+          <p:spPr>
+            <a:xfrm>
+              <a:off x="7809015" y="1967053"/>
+              <a:ext cx="2590380" cy="2923891"/>
+            </a:xfrm>
+            <a:prstGeom prst="rect">
+              <a:avLst/>
+            </a:prstGeom>
+          </p:spPr>
+        </p:pic>
+        <p:sp>
+          <p:nvSpPr>
+            <p:cNvPr id="11" name="TextBox 10">
+              <a:extLst>
+                <a:ext uri="{FF2B5EF4-FFF2-40B4-BE49-F238E27FC236}">
+                  <a16:creationId xmlns:a16="http://schemas.microsoft.com/office/drawing/2014/main" id="{6501D1B2-0963-47F2-A6B9-CEBB4E559229}"/>
+                </a:ext>
+              </a:extLst>
+            </p:cNvPr>
+            <p:cNvSpPr txBox="1"/>
+            <p:nvPr/>
+          </p:nvSpPr>
+          <p:spPr>
+            <a:xfrm>
+              <a:off x="8380288" y="1441977"/>
+              <a:ext cx="1447832" cy="369332"/>
+            </a:xfrm>
+            <a:prstGeom prst="rect">
+              <a:avLst/>
+            </a:prstGeom>
+            <a:noFill/>
+          </p:spPr>
+          <p:txBody>
+            <a:bodyPr wrap="none" rtlCol="0">
+              <a:spAutoFit/>
+            </a:bodyPr>
+            <a:lstStyle/>
+            <a:p>
+              <a:r>
+                <a:rPr lang="en-US" dirty="0"/>
+                <a:t>Amazon RDS</a:t>
+              </a:r>
+            </a:p>
+          </p:txBody>
+        </p:sp>
+      </p:grpSp>
+      <p:pic>
+        <p:nvPicPr>
+          <p:cNvPr id="12" name="Picture 11">
+            <a:extLst>
+              <a:ext uri="{FF2B5EF4-FFF2-40B4-BE49-F238E27FC236}">
+                <a16:creationId xmlns:a16="http://schemas.microsoft.com/office/drawing/2014/main" id="{6133F52E-7D28-4906-88E4-42EC39ECED20}"/>
+              </a:ext>
+            </a:extLst>
+          </p:cNvPr>
+          <p:cNvPicPr>
+            <a:picLocks noChangeAspect="1"/>
+          </p:cNvPicPr>
+          <p:nvPr/>
+        </p:nvPicPr>
+        <p:blipFill>
+          <a:blip r:embed="rId5"/>
+          <a:stretch>
+            <a:fillRect/>
+          </a:stretch>
+        </p:blipFill>
+        <p:spPr>
+          <a:xfrm>
+            <a:off x="7809015" y="1928256"/>
+            <a:ext cx="2610214" cy="2962688"/>
+          </a:xfrm>
+          <a:prstGeom prst="rect">
+            <a:avLst/>
+          </a:prstGeom>
+        </p:spPr>
+      </p:pic>
+      <p:grpSp>
+        <p:nvGrpSpPr>
+          <p:cNvPr id="27" name="Group 26">
+            <a:extLst>
+              <a:ext uri="{FF2B5EF4-FFF2-40B4-BE49-F238E27FC236}">
+                <a16:creationId xmlns:a16="http://schemas.microsoft.com/office/drawing/2014/main" id="{0CB11008-B92C-4257-B58C-4E3D4AE9EC1C}"/>
+              </a:ext>
+            </a:extLst>
+          </p:cNvPr>
+          <p:cNvGrpSpPr/>
+          <p:nvPr/>
+        </p:nvGrpSpPr>
+        <p:grpSpPr>
+          <a:xfrm>
+            <a:off x="6436067" y="1032876"/>
+            <a:ext cx="5336274" cy="5041563"/>
+            <a:chOff x="6436067" y="1032876"/>
+            <a:chExt cx="5336274" cy="5041563"/>
+          </a:xfrm>
+        </p:grpSpPr>
+        <p:pic>
+          <p:nvPicPr>
+            <p:cNvPr id="14" name="Picture 13">
+              <a:extLst>
+                <a:ext uri="{FF2B5EF4-FFF2-40B4-BE49-F238E27FC236}">
+                  <a16:creationId xmlns:a16="http://schemas.microsoft.com/office/drawing/2014/main" id="{738BA1EE-8B3D-4F33-A0D6-5433DBBBD150}"/>
+                </a:ext>
+              </a:extLst>
+            </p:cNvPr>
+            <p:cNvPicPr>
+              <a:picLocks noChangeAspect="1"/>
+            </p:cNvPicPr>
+            <p:nvPr/>
+          </p:nvPicPr>
+          <p:blipFill>
+            <a:blip r:embed="rId6"/>
+            <a:stretch>
+              <a:fillRect/>
+            </a:stretch>
+          </p:blipFill>
+          <p:spPr>
+            <a:xfrm>
+              <a:off x="6436067" y="1032876"/>
+              <a:ext cx="5336274" cy="2923891"/>
+            </a:xfrm>
+            <a:prstGeom prst="rect">
+              <a:avLst/>
+            </a:prstGeom>
+          </p:spPr>
+        </p:pic>
+        <p:pic>
+          <p:nvPicPr>
+            <p:cNvPr id="16" name="Picture 15">
+              <a:extLst>
+                <a:ext uri="{FF2B5EF4-FFF2-40B4-BE49-F238E27FC236}">
+                  <a16:creationId xmlns:a16="http://schemas.microsoft.com/office/drawing/2014/main" id="{7D565D27-522F-49FD-B96E-ECAB28E292E6}"/>
+                </a:ext>
+              </a:extLst>
+            </p:cNvPr>
+            <p:cNvPicPr>
+              <a:picLocks noChangeAspect="1"/>
+            </p:cNvPicPr>
+            <p:nvPr/>
+          </p:nvPicPr>
+          <p:blipFill>
+            <a:blip r:embed="rId7"/>
+            <a:stretch>
+              <a:fillRect/>
+            </a:stretch>
+          </p:blipFill>
+          <p:spPr>
+            <a:xfrm>
+              <a:off x="6436067" y="4054178"/>
+              <a:ext cx="5336274" cy="2020261"/>
+            </a:xfrm>
+            <a:prstGeom prst="rect">
+              <a:avLst/>
+            </a:prstGeom>
+          </p:spPr>
+        </p:pic>
+      </p:grpSp>
+      <p:grpSp>
+        <p:nvGrpSpPr>
+          <p:cNvPr id="28" name="Group 27">
+            <a:extLst>
+              <a:ext uri="{FF2B5EF4-FFF2-40B4-BE49-F238E27FC236}">
+                <a16:creationId xmlns:a16="http://schemas.microsoft.com/office/drawing/2014/main" id="{4DC845CB-A84C-4D75-B62A-25C3BAE16203}"/>
+              </a:ext>
+            </a:extLst>
+          </p:cNvPr>
+          <p:cNvGrpSpPr/>
+          <p:nvPr/>
+        </p:nvGrpSpPr>
+        <p:grpSpPr>
+          <a:xfrm>
+            <a:off x="6305151" y="2393126"/>
+            <a:ext cx="5617939" cy="2832225"/>
+            <a:chOff x="6305151" y="2393126"/>
+            <a:chExt cx="5617939" cy="2832225"/>
+          </a:xfrm>
+        </p:grpSpPr>
+        <p:pic>
+          <p:nvPicPr>
+            <p:cNvPr id="18" name="Picture 17">
+              <a:extLst>
+                <a:ext uri="{FF2B5EF4-FFF2-40B4-BE49-F238E27FC236}">
+                  <a16:creationId xmlns:a16="http://schemas.microsoft.com/office/drawing/2014/main" id="{4FD8C65C-7AFC-497E-9B4F-ED770A840B7C}"/>
+                </a:ext>
+              </a:extLst>
+            </p:cNvPr>
+            <p:cNvPicPr>
+              <a:picLocks noChangeAspect="1"/>
+            </p:cNvPicPr>
+            <p:nvPr/>
+          </p:nvPicPr>
+          <p:blipFill>
+            <a:blip r:embed="rId8"/>
+            <a:stretch>
+              <a:fillRect/>
+            </a:stretch>
+          </p:blipFill>
+          <p:spPr>
+            <a:xfrm>
+              <a:off x="6904013" y="2767558"/>
+              <a:ext cx="4420217" cy="2457793"/>
+            </a:xfrm>
+            <a:prstGeom prst="rect">
+              <a:avLst/>
+            </a:prstGeom>
+          </p:spPr>
+        </p:pic>
+        <p:pic>
+          <p:nvPicPr>
+            <p:cNvPr id="23" name="Picture 22">
+              <a:extLst>
+                <a:ext uri="{FF2B5EF4-FFF2-40B4-BE49-F238E27FC236}">
+                  <a16:creationId xmlns:a16="http://schemas.microsoft.com/office/drawing/2014/main" id="{564D4F00-0210-423F-AAA6-49D776DFBF1E}"/>
+                </a:ext>
+              </a:extLst>
+            </p:cNvPr>
+            <p:cNvPicPr>
+              <a:picLocks noChangeAspect="1"/>
+            </p:cNvPicPr>
+            <p:nvPr/>
+          </p:nvPicPr>
+          <p:blipFill>
+            <a:blip r:embed="rId9"/>
+            <a:stretch>
+              <a:fillRect/>
+            </a:stretch>
+          </p:blipFill>
+          <p:spPr>
+            <a:xfrm>
+              <a:off x="6305151" y="2393126"/>
+              <a:ext cx="5617939" cy="203389"/>
+            </a:xfrm>
+            <a:prstGeom prst="rect">
+              <a:avLst/>
+            </a:prstGeom>
+          </p:spPr>
+        </p:pic>
+      </p:grpSp>
+      <p:grpSp>
+        <p:nvGrpSpPr>
+          <p:cNvPr id="34" name="Group 33">
+            <a:extLst>
+              <a:ext uri="{FF2B5EF4-FFF2-40B4-BE49-F238E27FC236}">
+                <a16:creationId xmlns:a16="http://schemas.microsoft.com/office/drawing/2014/main" id="{6B990662-03D3-445B-82E1-9E0655683DB7}"/>
+              </a:ext>
+            </a:extLst>
+          </p:cNvPr>
+          <p:cNvGrpSpPr/>
+          <p:nvPr/>
+        </p:nvGrpSpPr>
+        <p:grpSpPr>
+          <a:xfrm>
+            <a:off x="7818930" y="1454467"/>
+            <a:ext cx="2590380" cy="3550473"/>
+            <a:chOff x="7818930" y="1454467"/>
+            <a:chExt cx="2590380" cy="3550473"/>
+          </a:xfrm>
+        </p:grpSpPr>
+        <p:pic>
+          <p:nvPicPr>
+            <p:cNvPr id="30" name="Graphic 29">
+              <a:extLst>
+                <a:ext uri="{FF2B5EF4-FFF2-40B4-BE49-F238E27FC236}">
+                  <a16:creationId xmlns:a16="http://schemas.microsoft.com/office/drawing/2014/main" id="{77532A3A-F28A-4528-8C42-B30135DA5D80}"/>
+                </a:ext>
+              </a:extLst>
+            </p:cNvPr>
+            <p:cNvPicPr>
+              <a:picLocks noChangeAspect="1"/>
+            </p:cNvPicPr>
+            <p:nvPr/>
+          </p:nvPicPr>
+          <p:blipFill>
+            <a:blip r:embed="rId10">
+              <a:extLst>
+                <a:ext uri="{96DAC541-7B7A-43D3-8B79-37D633B846F1}">
+                  <asvg:svgBlip xmlns:asvg="http://schemas.microsoft.com/office/drawing/2016/SVG/main" r:embed="rId11"/>
+                </a:ext>
+              </a:extLst>
+            </a:blip>
+            <a:stretch>
+              <a:fillRect/>
+            </a:stretch>
+          </p:blipFill>
+          <p:spPr>
+            <a:xfrm>
+              <a:off x="7818930" y="1868887"/>
+              <a:ext cx="2590380" cy="3136053"/>
+            </a:xfrm>
+            <a:prstGeom prst="rect">
+              <a:avLst/>
+            </a:prstGeom>
+          </p:spPr>
+        </p:pic>
+        <p:sp>
+          <p:nvSpPr>
+            <p:cNvPr id="33" name="TextBox 32">
+              <a:extLst>
+                <a:ext uri="{FF2B5EF4-FFF2-40B4-BE49-F238E27FC236}">
+                  <a16:creationId xmlns:a16="http://schemas.microsoft.com/office/drawing/2014/main" id="{5AB8CDB6-37CF-401C-81EC-8469C4F0F7AC}"/>
+                </a:ext>
+              </a:extLst>
+            </p:cNvPr>
+            <p:cNvSpPr txBox="1"/>
+            <p:nvPr/>
+          </p:nvSpPr>
+          <p:spPr>
+            <a:xfrm>
+              <a:off x="8408638" y="1454467"/>
+              <a:ext cx="1410964" cy="369332"/>
+            </a:xfrm>
+            <a:prstGeom prst="rect">
+              <a:avLst/>
+            </a:prstGeom>
+            <a:noFill/>
+          </p:spPr>
+          <p:txBody>
+            <a:bodyPr wrap="none" rtlCol="0">
+              <a:spAutoFit/>
+            </a:bodyPr>
+            <a:lstStyle/>
+            <a:p>
+              <a:r>
+                <a:rPr lang="en-US" dirty="0"/>
+                <a:t>Amazon EC2</a:t>
+              </a:r>
+            </a:p>
+          </p:txBody>
+        </p:sp>
+      </p:grpSp>
+      <p:grpSp>
+        <p:nvGrpSpPr>
+          <p:cNvPr id="38" name="Group 37">
+            <a:extLst>
+              <a:ext uri="{FF2B5EF4-FFF2-40B4-BE49-F238E27FC236}">
+                <a16:creationId xmlns:a16="http://schemas.microsoft.com/office/drawing/2014/main" id="{89687B2B-0DE6-41CF-86D4-D22E44D79A65}"/>
+              </a:ext>
+            </a:extLst>
+          </p:cNvPr>
+          <p:cNvGrpSpPr/>
+          <p:nvPr/>
+        </p:nvGrpSpPr>
+        <p:grpSpPr>
+          <a:xfrm>
+            <a:off x="7823888" y="1451691"/>
+            <a:ext cx="2580464" cy="3550200"/>
+            <a:chOff x="7823888" y="1451691"/>
+            <a:chExt cx="2580464" cy="3550200"/>
+          </a:xfrm>
+        </p:grpSpPr>
+        <p:pic>
+          <p:nvPicPr>
+            <p:cNvPr id="36" name="Graphic 35">
+              <a:extLst>
+                <a:ext uri="{FF2B5EF4-FFF2-40B4-BE49-F238E27FC236}">
+                  <a16:creationId xmlns:a16="http://schemas.microsoft.com/office/drawing/2014/main" id="{A107018B-5349-4BA7-993A-164F4FF0CF6A}"/>
+                </a:ext>
+              </a:extLst>
+            </p:cNvPr>
+            <p:cNvPicPr>
+              <a:picLocks noChangeAspect="1"/>
+            </p:cNvPicPr>
+            <p:nvPr/>
+          </p:nvPicPr>
+          <p:blipFill>
+            <a:blip r:embed="rId12">
+              <a:extLst>
+                <a:ext uri="{96DAC541-7B7A-43D3-8B79-37D633B846F1}">
+                  <asvg:svgBlip xmlns:asvg="http://schemas.microsoft.com/office/drawing/2016/SVG/main" r:embed="rId13"/>
+                </a:ext>
+              </a:extLst>
+            </a:blip>
+            <a:stretch>
+              <a:fillRect/>
+            </a:stretch>
+          </p:blipFill>
+          <p:spPr>
+            <a:xfrm>
+              <a:off x="7823888" y="1877843"/>
+              <a:ext cx="2580464" cy="3124048"/>
+            </a:xfrm>
+            <a:prstGeom prst="rect">
+              <a:avLst/>
+            </a:prstGeom>
+          </p:spPr>
+        </p:pic>
+        <p:sp>
+          <p:nvSpPr>
+            <p:cNvPr id="37" name="TextBox 36">
+              <a:extLst>
+                <a:ext uri="{FF2B5EF4-FFF2-40B4-BE49-F238E27FC236}">
+                  <a16:creationId xmlns:a16="http://schemas.microsoft.com/office/drawing/2014/main" id="{7003F760-B677-4348-8E57-D39CA0FB8F86}"/>
+                </a:ext>
+              </a:extLst>
+            </p:cNvPr>
+            <p:cNvSpPr txBox="1"/>
+            <p:nvPr/>
+          </p:nvSpPr>
+          <p:spPr>
+            <a:xfrm>
+              <a:off x="8206660" y="1451691"/>
+              <a:ext cx="1814920" cy="369332"/>
+            </a:xfrm>
+            <a:prstGeom prst="rect">
+              <a:avLst/>
+            </a:prstGeom>
+            <a:noFill/>
+          </p:spPr>
+          <p:txBody>
+            <a:bodyPr wrap="none" rtlCol="0">
+              <a:spAutoFit/>
+            </a:bodyPr>
+            <a:lstStyle/>
+            <a:p>
+              <a:r>
+                <a:rPr lang="en-US" dirty="0"/>
+                <a:t>Amazon Lambda</a:t>
+              </a:r>
+            </a:p>
+          </p:txBody>
+        </p:sp>
+      </p:grpSp>
+    </p:spTree>
+    <p:extLst>
+      <p:ext uri="{BB962C8B-B14F-4D97-AF65-F5344CB8AC3E}">
+        <p14:creationId xmlns:p14="http://schemas.microsoft.com/office/powerpoint/2010/main" val="2653593657"/>
+      </p:ext>
+    </p:extLst>
+  </p:cSld>
+  <p:clrMapOvr>
+    <a:overrideClrMapping bg1="dk1" tx1="lt1" bg2="dk2" tx2="lt2" accent1="accent1" accent2="accent2" accent3="accent3" accent4="accent4" accent5="accent5" accent6="accent6" hlink="hlink" folHlink="folHlink"/>
+  </p:clrMapOvr>
+  <p:timing>
+    <p:tnLst>
+      <p:par>
+        <p:cTn id="1" dur="indefinite" restart="never" nodeType="tmRoot">
+          <p:childTnLst>
+            <p:seq concurrent="1" nextAc="seek">
+              <p:cTn id="2" dur="indefinite" nodeType="mainSeq">
+                <p:childTnLst>
+                  <p:par>
+                    <p:cTn id="3" fill="hold">
+                      <p:stCondLst>
+                        <p:cond delay="indefinite"/>
+                      </p:stCondLst>
+                      <p:childTnLst>
+                        <p:par>
+                          <p:cTn id="4" fill="hold">
+                            <p:stCondLst>
+                              <p:cond delay="0"/>
+                            </p:stCondLst>
+                            <p:childTnLst>
+                              <p:par>
+                                <p:cTn id="5" presetID="1" presetClass="entr" presetSubtype="0" fill="hold" nodeType="clickEffect">
+                                  <p:stCondLst>
+                                    <p:cond delay="0"/>
+                                  </p:stCondLst>
+                                  <p:childTnLst>
+                                    <p:set>
+                                      <p:cBhvr>
+                                        <p:cTn id="6" dur="1" fill="hold">
+                                          <p:stCondLst>
+                                            <p:cond delay="0"/>
+                                          </p:stCondLst>
+                                        </p:cTn>
+                                        <p:tgtEl>
+                                          <p:spTgt spid="20">
+                                            <p:txEl>
+                                              <p:pRg st="0" end="0"/>
+                                            </p:txEl>
+                                          </p:spTgt>
+                                        </p:tgtEl>
+                                        <p:attrNameLst>
+                                          <p:attrName>style.visibility</p:attrName>
+                                        </p:attrNameLst>
+                                      </p:cBhvr>
+                                      <p:to>
+                                        <p:strVal val="visible"/>
+                                      </p:to>
+                                    </p:set>
+                                  </p:childTnLst>
+                                </p:cTn>
+                              </p:par>
+                              <p:par>
+                                <p:cTn id="7" presetID="1" presetClass="entr" presetSubtype="0" fill="hold" nodeType="withEffect">
+                                  <p:stCondLst>
+                                    <p:cond delay="0"/>
+                                  </p:stCondLst>
+                                  <p:childTnLst>
+                                    <p:set>
+                                      <p:cBhvr>
+                                        <p:cTn id="8" dur="1" fill="hold">
+                                          <p:stCondLst>
+                                            <p:cond delay="0"/>
+                                          </p:stCondLst>
+                                        </p:cTn>
+                                        <p:tgtEl>
+                                          <p:spTgt spid="25"/>
+                                        </p:tgtEl>
+                                        <p:attrNameLst>
+                                          <p:attrName>style.visibility</p:attrName>
+                                        </p:attrNameLst>
+                                      </p:cBhvr>
+                                      <p:to>
+                                        <p:strVal val="visible"/>
+                                      </p:to>
+                                    </p:set>
+                                  </p:childTnLst>
+                                </p:cTn>
+                              </p:par>
+                            </p:childTnLst>
+                          </p:cTn>
+                        </p:par>
+                      </p:childTnLst>
+                    </p:cTn>
+                  </p:par>
+                  <p:par>
+                    <p:cTn id="9" fill="hold">
+                      <p:stCondLst>
+                        <p:cond delay="indefinite"/>
+                      </p:stCondLst>
+                      <p:childTnLst>
+                        <p:par>
+                          <p:cTn id="10" fill="hold">
+                            <p:stCondLst>
+                              <p:cond delay="0"/>
+                            </p:stCondLst>
+                            <p:childTnLst>
+                              <p:par>
+                                <p:cTn id="11" presetID="1" presetClass="entr" presetSubtype="0" fill="hold" nodeType="clickEffect">
+                                  <p:stCondLst>
+                                    <p:cond delay="0"/>
+                                  </p:stCondLst>
+                                  <p:childTnLst>
+                                    <p:set>
+                                      <p:cBhvr>
+                                        <p:cTn id="12" dur="1" fill="hold">
+                                          <p:stCondLst>
+                                            <p:cond delay="0"/>
+                                          </p:stCondLst>
+                                        </p:cTn>
+                                        <p:tgtEl>
+                                          <p:spTgt spid="20">
+                                            <p:txEl>
+                                              <p:pRg st="1" end="1"/>
+                                            </p:txEl>
+                                          </p:spTgt>
+                                        </p:tgtEl>
+                                        <p:attrNameLst>
+                                          <p:attrName>style.visibility</p:attrName>
+                                        </p:attrNameLst>
+                                      </p:cBhvr>
+                                      <p:to>
+                                        <p:strVal val="visible"/>
+                                      </p:to>
+                                    </p:set>
+                                  </p:childTnLst>
+                                </p:cTn>
+                              </p:par>
+                            </p:childTnLst>
+                          </p:cTn>
+                        </p:par>
+                      </p:childTnLst>
+                    </p:cTn>
+                  </p:par>
+                  <p:par>
+                    <p:cTn id="13" fill="hold">
+                      <p:stCondLst>
+                        <p:cond delay="indefinite"/>
+                      </p:stCondLst>
+                      <p:childTnLst>
+                        <p:par>
+                          <p:cTn id="14" fill="hold">
+                            <p:stCondLst>
+                              <p:cond delay="0"/>
+                            </p:stCondLst>
+                            <p:childTnLst>
+                              <p:par>
+                                <p:cTn id="15" presetID="1" presetClass="entr" presetSubtype="0" fill="hold" nodeType="clickEffect">
+                                  <p:stCondLst>
+                                    <p:cond delay="0"/>
+                                  </p:stCondLst>
+                                  <p:childTnLst>
+                                    <p:set>
+                                      <p:cBhvr>
+                                        <p:cTn id="16" dur="1" fill="hold">
+                                          <p:stCondLst>
+                                            <p:cond delay="0"/>
+                                          </p:stCondLst>
+                                        </p:cTn>
+                                        <p:tgtEl>
+                                          <p:spTgt spid="20">
+                                            <p:txEl>
+                                              <p:pRg st="2" end="2"/>
+                                            </p:txEl>
+                                          </p:spTgt>
+                                        </p:tgtEl>
+                                        <p:attrNameLst>
+                                          <p:attrName>style.visibility</p:attrName>
+                                        </p:attrNameLst>
+                                      </p:cBhvr>
+                                      <p:to>
+                                        <p:strVal val="visible"/>
+                                      </p:to>
+                                    </p:set>
+                                  </p:childTnLst>
+                                </p:cTn>
+                              </p:par>
+                            </p:childTnLst>
+                          </p:cTn>
+                        </p:par>
+                      </p:childTnLst>
+                    </p:cTn>
+                  </p:par>
+                  <p:par>
+                    <p:cTn id="17" fill="hold">
+                      <p:stCondLst>
+                        <p:cond delay="indefinite"/>
+                      </p:stCondLst>
+                      <p:childTnLst>
+                        <p:par>
+                          <p:cTn id="18" fill="hold">
+                            <p:stCondLst>
+                              <p:cond delay="0"/>
+                            </p:stCondLst>
+                            <p:childTnLst>
+                              <p:par>
+                                <p:cTn id="19" presetID="1" presetClass="entr" presetSubtype="0" fill="hold" nodeType="clickEffect">
+                                  <p:stCondLst>
+                                    <p:cond delay="0"/>
+                                  </p:stCondLst>
+                                  <p:childTnLst>
+                                    <p:set>
+                                      <p:cBhvr>
+                                        <p:cTn id="20" dur="1" fill="hold">
+                                          <p:stCondLst>
+                                            <p:cond delay="0"/>
+                                          </p:stCondLst>
+                                        </p:cTn>
+                                        <p:tgtEl>
+                                          <p:spTgt spid="20">
+                                            <p:txEl>
+                                              <p:pRg st="3" end="3"/>
+                                            </p:txEl>
+                                          </p:spTgt>
+                                        </p:tgtEl>
+                                        <p:attrNameLst>
+                                          <p:attrName>style.visibility</p:attrName>
+                                        </p:attrNameLst>
+                                      </p:cBhvr>
+                                      <p:to>
+                                        <p:strVal val="visible"/>
+                                      </p:to>
+                                    </p:set>
+                                  </p:childTnLst>
+                                </p:cTn>
+                              </p:par>
+                              <p:par>
+                                <p:cTn id="21" presetID="1" presetClass="exit" presetSubtype="0" fill="hold" nodeType="withEffect">
+                                  <p:stCondLst>
+                                    <p:cond delay="0"/>
+                                  </p:stCondLst>
+                                  <p:childTnLst>
+                                    <p:set>
+                                      <p:cBhvr>
+                                        <p:cTn id="22" dur="1" fill="hold">
+                                          <p:stCondLst>
+                                            <p:cond delay="0"/>
+                                          </p:stCondLst>
+                                        </p:cTn>
+                                        <p:tgtEl>
+                                          <p:spTgt spid="25"/>
+                                        </p:tgtEl>
+                                        <p:attrNameLst>
+                                          <p:attrName>style.visibility</p:attrName>
+                                        </p:attrNameLst>
+                                      </p:cBhvr>
+                                      <p:to>
+                                        <p:strVal val="hidden"/>
+                                      </p:to>
+                                    </p:set>
+                                  </p:childTnLst>
+                                </p:cTn>
+                              </p:par>
+                              <p:par>
+                                <p:cTn id="23" presetID="1" presetClass="entr" presetSubtype="0" fill="hold" nodeType="withEffect">
+                                  <p:stCondLst>
+                                    <p:cond delay="0"/>
+                                  </p:stCondLst>
+                                  <p:childTnLst>
+                                    <p:set>
+                                      <p:cBhvr>
+                                        <p:cTn id="24" dur="1" fill="hold">
+                                          <p:stCondLst>
+                                            <p:cond delay="0"/>
+                                          </p:stCondLst>
+                                        </p:cTn>
+                                        <p:tgtEl>
+                                          <p:spTgt spid="26"/>
+                                        </p:tgtEl>
+                                        <p:attrNameLst>
+                                          <p:attrName>style.visibility</p:attrName>
+                                        </p:attrNameLst>
+                                      </p:cBhvr>
+                                      <p:to>
+                                        <p:strVal val="visible"/>
+                                      </p:to>
+                                    </p:set>
+                                  </p:childTnLst>
+                                </p:cTn>
+                              </p:par>
+                            </p:childTnLst>
+                          </p:cTn>
+                        </p:par>
+                      </p:childTnLst>
+                    </p:cTn>
+                  </p:par>
+                  <p:par>
+                    <p:cTn id="25" fill="hold">
+                      <p:stCondLst>
+                        <p:cond delay="indefinite"/>
+                      </p:stCondLst>
+                      <p:childTnLst>
+                        <p:par>
+                          <p:cTn id="26" fill="hold">
+                            <p:stCondLst>
+                              <p:cond delay="0"/>
+                            </p:stCondLst>
+                            <p:childTnLst>
+                              <p:par>
+                                <p:cTn id="27" presetID="1" presetClass="entr" presetSubtype="0" fill="hold" nodeType="clickEffect">
+                                  <p:stCondLst>
+                                    <p:cond delay="0"/>
+                                  </p:stCondLst>
+                                  <p:childTnLst>
+                                    <p:set>
+                                      <p:cBhvr>
+                                        <p:cTn id="28" dur="1" fill="hold">
+                                          <p:stCondLst>
+                                            <p:cond delay="0"/>
+                                          </p:stCondLst>
+                                        </p:cTn>
+                                        <p:tgtEl>
+                                          <p:spTgt spid="20">
+                                            <p:txEl>
+                                              <p:pRg st="4" end="4"/>
+                                            </p:txEl>
+                                          </p:spTgt>
+                                        </p:tgtEl>
+                                        <p:attrNameLst>
+                                          <p:attrName>style.visibility</p:attrName>
+                                        </p:attrNameLst>
+                                      </p:cBhvr>
+                                      <p:to>
+                                        <p:strVal val="visible"/>
+                                      </p:to>
+                                    </p:set>
+                                  </p:childTnLst>
+                                </p:cTn>
+                              </p:par>
+                              <p:par>
+                                <p:cTn id="29" presetID="1" presetClass="exit" presetSubtype="0" fill="hold" nodeType="withEffect">
+                                  <p:stCondLst>
+                                    <p:cond delay="0"/>
+                                  </p:stCondLst>
+                                  <p:childTnLst>
+                                    <p:set>
+                                      <p:cBhvr>
+                                        <p:cTn id="30" dur="1" fill="hold">
+                                          <p:stCondLst>
+                                            <p:cond delay="0"/>
+                                          </p:stCondLst>
+                                        </p:cTn>
+                                        <p:tgtEl>
+                                          <p:spTgt spid="26"/>
+                                        </p:tgtEl>
+                                        <p:attrNameLst>
+                                          <p:attrName>style.visibility</p:attrName>
+                                        </p:attrNameLst>
+                                      </p:cBhvr>
+                                      <p:to>
+                                        <p:strVal val="hidden"/>
+                                      </p:to>
+                                    </p:set>
+                                  </p:childTnLst>
+                                </p:cTn>
+                              </p:par>
+                              <p:par>
+                                <p:cTn id="31" presetID="1" presetClass="entr" presetSubtype="0" fill="hold" nodeType="withEffect">
+                                  <p:stCondLst>
+                                    <p:cond delay="0"/>
+                                  </p:stCondLst>
+                                  <p:childTnLst>
+                                    <p:set>
+                                      <p:cBhvr>
+                                        <p:cTn id="32" dur="1" fill="hold">
+                                          <p:stCondLst>
+                                            <p:cond delay="0"/>
+                                          </p:stCondLst>
+                                        </p:cTn>
+                                        <p:tgtEl>
+                                          <p:spTgt spid="12"/>
+                                        </p:tgtEl>
+                                        <p:attrNameLst>
+                                          <p:attrName>style.visibility</p:attrName>
+                                        </p:attrNameLst>
+                                      </p:cBhvr>
+                                      <p:to>
+                                        <p:strVal val="visible"/>
+                                      </p:to>
+                                    </p:set>
+                                  </p:childTnLst>
+                                </p:cTn>
+                              </p:par>
+                            </p:childTnLst>
+                          </p:cTn>
+                        </p:par>
+                      </p:childTnLst>
+                    </p:cTn>
+                  </p:par>
+                  <p:par>
+                    <p:cTn id="33" fill="hold">
+                      <p:stCondLst>
+                        <p:cond delay="indefinite"/>
+                      </p:stCondLst>
+                      <p:childTnLst>
+                        <p:par>
+                          <p:cTn id="34" fill="hold">
+                            <p:stCondLst>
+                              <p:cond delay="0"/>
+                            </p:stCondLst>
+                            <p:childTnLst>
+                              <p:par>
+                                <p:cTn id="35" presetID="1" presetClass="entr" presetSubtype="0" fill="hold" nodeType="clickEffect">
+                                  <p:stCondLst>
+                                    <p:cond delay="0"/>
+                                  </p:stCondLst>
+                                  <p:childTnLst>
+                                    <p:set>
+                                      <p:cBhvr>
+                                        <p:cTn id="36" dur="1" fill="hold">
+                                          <p:stCondLst>
+                                            <p:cond delay="0"/>
+                                          </p:stCondLst>
+                                        </p:cTn>
+                                        <p:tgtEl>
+                                          <p:spTgt spid="20">
+                                            <p:txEl>
+                                              <p:pRg st="5" end="5"/>
+                                            </p:txEl>
+                                          </p:spTgt>
+                                        </p:tgtEl>
+                                        <p:attrNameLst>
+                                          <p:attrName>style.visibility</p:attrName>
+                                        </p:attrNameLst>
+                                      </p:cBhvr>
+                                      <p:to>
+                                        <p:strVal val="visible"/>
+                                      </p:to>
+                                    </p:set>
+                                  </p:childTnLst>
+                                </p:cTn>
+                              </p:par>
+                              <p:par>
+                                <p:cTn id="37" presetID="1" presetClass="entr" presetSubtype="0" fill="hold" nodeType="withEffect">
+                                  <p:stCondLst>
+                                    <p:cond delay="0"/>
+                                  </p:stCondLst>
+                                  <p:childTnLst>
+                                    <p:set>
+                                      <p:cBhvr>
+                                        <p:cTn id="38" dur="1" fill="hold">
+                                          <p:stCondLst>
+                                            <p:cond delay="0"/>
+                                          </p:stCondLst>
+                                        </p:cTn>
+                                        <p:tgtEl>
+                                          <p:spTgt spid="27"/>
+                                        </p:tgtEl>
+                                        <p:attrNameLst>
+                                          <p:attrName>style.visibility</p:attrName>
+                                        </p:attrNameLst>
+                                      </p:cBhvr>
+                                      <p:to>
+                                        <p:strVal val="visible"/>
+                                      </p:to>
+                                    </p:set>
+                                  </p:childTnLst>
+                                </p:cTn>
+                              </p:par>
+                              <p:par>
+                                <p:cTn id="39" presetID="1" presetClass="exit" presetSubtype="0" fill="hold" nodeType="withEffect">
+                                  <p:stCondLst>
+                                    <p:cond delay="0"/>
+                                  </p:stCondLst>
+                                  <p:childTnLst>
+                                    <p:set>
+                                      <p:cBhvr>
+                                        <p:cTn id="40" dur="1" fill="hold">
+                                          <p:stCondLst>
+                                            <p:cond delay="0"/>
+                                          </p:stCondLst>
+                                        </p:cTn>
+                                        <p:tgtEl>
+                                          <p:spTgt spid="12"/>
+                                        </p:tgtEl>
+                                        <p:attrNameLst>
+                                          <p:attrName>style.visibility</p:attrName>
+                                        </p:attrNameLst>
+                                      </p:cBhvr>
+                                      <p:to>
+                                        <p:strVal val="hidden"/>
+                                      </p:to>
+                                    </p:set>
+                                  </p:childTnLst>
+                                </p:cTn>
+                              </p:par>
+                            </p:childTnLst>
+                          </p:cTn>
+                        </p:par>
+                      </p:childTnLst>
+                    </p:cTn>
+                  </p:par>
+                  <p:par>
+                    <p:cTn id="41" fill="hold">
+                      <p:stCondLst>
+                        <p:cond delay="indefinite"/>
+                      </p:stCondLst>
+                      <p:childTnLst>
+                        <p:par>
+                          <p:cTn id="42" fill="hold">
+                            <p:stCondLst>
+                              <p:cond delay="0"/>
+                            </p:stCondLst>
+                            <p:childTnLst>
+                              <p:par>
+                                <p:cTn id="43" presetID="1" presetClass="entr" presetSubtype="0" fill="hold" nodeType="clickEffect">
+                                  <p:stCondLst>
+                                    <p:cond delay="0"/>
+                                  </p:stCondLst>
+                                  <p:childTnLst>
+                                    <p:set>
+                                      <p:cBhvr>
+                                        <p:cTn id="44" dur="1" fill="hold">
+                                          <p:stCondLst>
+                                            <p:cond delay="0"/>
+                                          </p:stCondLst>
+                                        </p:cTn>
+                                        <p:tgtEl>
+                                          <p:spTgt spid="20">
+                                            <p:txEl>
+                                              <p:pRg st="6" end="6"/>
+                                            </p:txEl>
+                                          </p:spTgt>
+                                        </p:tgtEl>
+                                        <p:attrNameLst>
+                                          <p:attrName>style.visibility</p:attrName>
+                                        </p:attrNameLst>
+                                      </p:cBhvr>
+                                      <p:to>
+                                        <p:strVal val="visible"/>
+                                      </p:to>
+                                    </p:set>
+                                  </p:childTnLst>
+                                </p:cTn>
+                              </p:par>
+                              <p:par>
+                                <p:cTn id="45" presetID="1" presetClass="exit" presetSubtype="0" fill="hold" nodeType="withEffect">
+                                  <p:stCondLst>
+                                    <p:cond delay="0"/>
+                                  </p:stCondLst>
+                                  <p:childTnLst>
+                                    <p:set>
+                                      <p:cBhvr>
+                                        <p:cTn id="46" dur="1" fill="hold">
+                                          <p:stCondLst>
+                                            <p:cond delay="0"/>
+                                          </p:stCondLst>
+                                        </p:cTn>
+                                        <p:tgtEl>
+                                          <p:spTgt spid="27"/>
+                                        </p:tgtEl>
+                                        <p:attrNameLst>
+                                          <p:attrName>style.visibility</p:attrName>
+                                        </p:attrNameLst>
+                                      </p:cBhvr>
+                                      <p:to>
+                                        <p:strVal val="hidden"/>
+                                      </p:to>
+                                    </p:set>
+                                  </p:childTnLst>
+                                </p:cTn>
+                              </p:par>
+                              <p:par>
+                                <p:cTn id="47" presetID="1" presetClass="entr" presetSubtype="0" fill="hold" nodeType="withEffect">
+                                  <p:stCondLst>
+                                    <p:cond delay="0"/>
+                                  </p:stCondLst>
+                                  <p:childTnLst>
+                                    <p:set>
+                                      <p:cBhvr>
+                                        <p:cTn id="48" dur="1" fill="hold">
+                                          <p:stCondLst>
+                                            <p:cond delay="0"/>
+                                          </p:stCondLst>
+                                        </p:cTn>
+                                        <p:tgtEl>
+                                          <p:spTgt spid="28"/>
+                                        </p:tgtEl>
+                                        <p:attrNameLst>
+                                          <p:attrName>style.visibility</p:attrName>
+                                        </p:attrNameLst>
+                                      </p:cBhvr>
+                                      <p:to>
+                                        <p:strVal val="visible"/>
+                                      </p:to>
+                                    </p:set>
+                                  </p:childTnLst>
+                                </p:cTn>
+                              </p:par>
+                            </p:childTnLst>
+                          </p:cTn>
+                        </p:par>
+                      </p:childTnLst>
+                    </p:cTn>
+                  </p:par>
+                  <p:par>
+                    <p:cTn id="49" fill="hold">
+                      <p:stCondLst>
+                        <p:cond delay="indefinite"/>
+                      </p:stCondLst>
+                      <p:childTnLst>
+                        <p:par>
+                          <p:cTn id="50" fill="hold">
+                            <p:stCondLst>
+                              <p:cond delay="0"/>
+                            </p:stCondLst>
+                            <p:childTnLst>
+                              <p:par>
+                                <p:cTn id="51" presetID="1" presetClass="entr" presetSubtype="0" fill="hold" nodeType="clickEffect">
+                                  <p:stCondLst>
+                                    <p:cond delay="0"/>
+                                  </p:stCondLst>
+                                  <p:childTnLst>
+                                    <p:set>
+                                      <p:cBhvr>
+                                        <p:cTn id="52" dur="1" fill="hold">
+                                          <p:stCondLst>
+                                            <p:cond delay="0"/>
+                                          </p:stCondLst>
+                                        </p:cTn>
+                                        <p:tgtEl>
+                                          <p:spTgt spid="20">
+                                            <p:txEl>
+                                              <p:pRg st="7" end="7"/>
+                                            </p:txEl>
+                                          </p:spTgt>
+                                        </p:tgtEl>
+                                        <p:attrNameLst>
+                                          <p:attrName>style.visibility</p:attrName>
+                                        </p:attrNameLst>
+                                      </p:cBhvr>
+                                      <p:to>
+                                        <p:strVal val="visible"/>
+                                      </p:to>
+                                    </p:set>
+                                  </p:childTnLst>
+                                </p:cTn>
+                              </p:par>
+                              <p:par>
+                                <p:cTn id="53" presetID="1" presetClass="exit" presetSubtype="0" fill="hold" nodeType="withEffect">
+                                  <p:stCondLst>
+                                    <p:cond delay="0"/>
+                                  </p:stCondLst>
+                                  <p:childTnLst>
+                                    <p:set>
+                                      <p:cBhvr>
+                                        <p:cTn id="54" dur="1" fill="hold">
+                                          <p:stCondLst>
+                                            <p:cond delay="0"/>
+                                          </p:stCondLst>
+                                        </p:cTn>
+                                        <p:tgtEl>
+                                          <p:spTgt spid="28"/>
+                                        </p:tgtEl>
+                                        <p:attrNameLst>
+                                          <p:attrName>style.visibility</p:attrName>
+                                        </p:attrNameLst>
+                                      </p:cBhvr>
+                                      <p:to>
+                                        <p:strVal val="hidden"/>
+                                      </p:to>
+                                    </p:set>
+                                  </p:childTnLst>
+                                </p:cTn>
+                              </p:par>
+                            </p:childTnLst>
+                          </p:cTn>
+                        </p:par>
+                      </p:childTnLst>
+                    </p:cTn>
+                  </p:par>
+                  <p:par>
+                    <p:cTn id="55" fill="hold">
+                      <p:stCondLst>
+                        <p:cond delay="indefinite"/>
+                      </p:stCondLst>
+                      <p:childTnLst>
+                        <p:par>
+                          <p:cTn id="56" fill="hold">
+                            <p:stCondLst>
+                              <p:cond delay="0"/>
+                            </p:stCondLst>
+                            <p:childTnLst>
+                              <p:par>
+                                <p:cTn id="57" presetID="1" presetClass="entr" presetSubtype="0" fill="hold" nodeType="clickEffect">
+                                  <p:stCondLst>
+                                    <p:cond delay="0"/>
+                                  </p:stCondLst>
+                                  <p:childTnLst>
+                                    <p:set>
+                                      <p:cBhvr>
+                                        <p:cTn id="58" dur="1" fill="hold">
+                                          <p:stCondLst>
+                                            <p:cond delay="0"/>
+                                          </p:stCondLst>
+                                        </p:cTn>
+                                        <p:tgtEl>
+                                          <p:spTgt spid="20">
+                                            <p:txEl>
+                                              <p:pRg st="8" end="8"/>
+                                            </p:txEl>
+                                          </p:spTgt>
+                                        </p:tgtEl>
+                                        <p:attrNameLst>
+                                          <p:attrName>style.visibility</p:attrName>
+                                        </p:attrNameLst>
+                                      </p:cBhvr>
+                                      <p:to>
+                                        <p:strVal val="visible"/>
+                                      </p:to>
+                                    </p:set>
+                                  </p:childTnLst>
+                                </p:cTn>
+                              </p:par>
+                              <p:par>
+                                <p:cTn id="59" presetID="1" presetClass="entr" presetSubtype="0" fill="hold" nodeType="withEffect">
+                                  <p:stCondLst>
+                                    <p:cond delay="0"/>
+                                  </p:stCondLst>
+                                  <p:childTnLst>
+                                    <p:set>
+                                      <p:cBhvr>
+                                        <p:cTn id="60" dur="1" fill="hold">
+                                          <p:stCondLst>
+                                            <p:cond delay="0"/>
+                                          </p:stCondLst>
+                                        </p:cTn>
+                                        <p:tgtEl>
+                                          <p:spTgt spid="34"/>
+                                        </p:tgtEl>
+                                        <p:attrNameLst>
+                                          <p:attrName>style.visibility</p:attrName>
+                                        </p:attrNameLst>
+                                      </p:cBhvr>
+                                      <p:to>
+                                        <p:strVal val="visible"/>
+                                      </p:to>
+                                    </p:set>
+                                  </p:childTnLst>
+                                </p:cTn>
+                              </p:par>
+                            </p:childTnLst>
+                          </p:cTn>
+                        </p:par>
+                      </p:childTnLst>
+                    </p:cTn>
+                  </p:par>
+                  <p:par>
+                    <p:cTn id="61" fill="hold">
+                      <p:stCondLst>
+                        <p:cond delay="indefinite"/>
+                      </p:stCondLst>
+                      <p:childTnLst>
+                        <p:par>
+                          <p:cTn id="62" fill="hold">
+                            <p:stCondLst>
+                              <p:cond delay="0"/>
+                            </p:stCondLst>
+                            <p:childTnLst>
+                              <p:par>
+                                <p:cTn id="63" presetID="1" presetClass="entr" presetSubtype="0" fill="hold" nodeType="clickEffect">
+                                  <p:stCondLst>
+                                    <p:cond delay="0"/>
+                                  </p:stCondLst>
+                                  <p:childTnLst>
+                                    <p:set>
+                                      <p:cBhvr>
+                                        <p:cTn id="64" dur="1" fill="hold">
+                                          <p:stCondLst>
+                                            <p:cond delay="0"/>
+                                          </p:stCondLst>
+                                        </p:cTn>
+                                        <p:tgtEl>
+                                          <p:spTgt spid="20">
+                                            <p:txEl>
+                                              <p:pRg st="9" end="9"/>
+                                            </p:txEl>
+                                          </p:spTgt>
+                                        </p:tgtEl>
+                                        <p:attrNameLst>
+                                          <p:attrName>style.visibility</p:attrName>
+                                        </p:attrNameLst>
+                                      </p:cBhvr>
+                                      <p:to>
+                                        <p:strVal val="visible"/>
+                                      </p:to>
+                                    </p:set>
+                                  </p:childTnLst>
+                                </p:cTn>
+                              </p:par>
+                              <p:par>
+                                <p:cTn id="65" presetID="1" presetClass="entr" presetSubtype="0" fill="hold" nodeType="withEffect">
+                                  <p:stCondLst>
+                                    <p:cond delay="0"/>
+                                  </p:stCondLst>
+                                  <p:childTnLst>
+                                    <p:set>
+                                      <p:cBhvr>
+                                        <p:cTn id="66" dur="1" fill="hold">
+                                          <p:stCondLst>
+                                            <p:cond delay="0"/>
+                                          </p:stCondLst>
+                                        </p:cTn>
+                                        <p:tgtEl>
+                                          <p:spTgt spid="38"/>
+                                        </p:tgtEl>
+                                        <p:attrNameLst>
+                                          <p:attrName>style.visibility</p:attrName>
+                                        </p:attrNameLst>
+                                      </p:cBhvr>
+                                      <p:to>
+                                        <p:strVal val="visible"/>
+                                      </p:to>
+                                    </p:set>
+                                  </p:childTnLst>
+                                </p:cTn>
+                              </p:par>
+                              <p:par>
+                                <p:cTn id="67" presetID="1" presetClass="exit" presetSubtype="0" fill="hold" nodeType="withEffect">
+                                  <p:stCondLst>
+                                    <p:cond delay="0"/>
+                                  </p:stCondLst>
+                                  <p:childTnLst>
+                                    <p:set>
+                                      <p:cBhvr>
+                                        <p:cTn id="68" dur="1" fill="hold">
+                                          <p:stCondLst>
+                                            <p:cond delay="0"/>
+                                          </p:stCondLst>
+                                        </p:cTn>
+                                        <p:tgtEl>
+                                          <p:spTgt spid="34"/>
+                                        </p:tgtEl>
+                                        <p:attrNameLst>
+                                          <p:attrName>style.visibility</p:attrName>
+                                        </p:attrNameLst>
+                                      </p:cBhvr>
+                                      <p:to>
+                                        <p:strVal val="hidden"/>
+                                      </p:to>
+                                    </p:set>
+                                  </p:childTnLst>
+                                </p:cTn>
+                              </p:par>
+                            </p:childTnLst>
+                          </p:cTn>
+                        </p:par>
+                      </p:childTnLst>
+                    </p:cTn>
+                  </p:par>
+                </p:childTnLst>
+              </p:cTn>
+              <p:prevCondLst>
+                <p:cond evt="onPrev" delay="0">
+                  <p:tgtEl>
+                    <p:sldTgt/>
+                  </p:tgtEl>
+                </p:cond>
+              </p:prevCondLst>
+              <p:nextCondLst>
+                <p:cond evt="onNext" delay="0">
+                  <p:tgtEl>
+                    <p:sldTgt/>
+                  </p:tgtEl>
+                </p:cond>
+              </p:nextCondLst>
+            </p:seq>
+          </p:childTnLst>
+        </p:cTn>
+      </p:par>
+    </p:tnLst>
+  </p:timing>
+</p:sld>
+</file>
+
+<file path=ppt/slides/slide6.xml><?xml version="1.0" encoding="utf-8"?>
+<p:sld xmlns:a="http://schemas.openxmlformats.org/drawingml/2006/main" xmlns:r="http://schemas.openxmlformats.org/officeDocument/2006/relationships" xmlns:p="http://schemas.openxmlformats.org/presentationml/2006/main">
+  <p:cSld>
+    <p:bg>
+      <p:bgPr>
+        <a:solidFill>
+          <a:schemeClr val="bg2"/>
+        </a:solidFill>
+        <a:effectLst/>
+      </p:bgPr>
+    </p:bg>
+    <p:spTree>
+      <p:nvGrpSpPr>
+        <p:cNvPr id="1" name=""/>
+        <p:cNvGrpSpPr/>
+        <p:nvPr/>
+      </p:nvGrpSpPr>
+      <p:grpSpPr>
+        <a:xfrm>
+          <a:off x="0" y="0"/>
+          <a:ext cx="0" cy="0"/>
+          <a:chOff x="0" y="0"/>
+          <a:chExt cx="0" cy="0"/>
+        </a:xfrm>
+      </p:grpSpPr>
+      <p:sp>
+        <p:nvSpPr>
+          <p:cNvPr id="2" name="Title 1">
+            <a:extLst>
+              <a:ext uri="{FF2B5EF4-FFF2-40B4-BE49-F238E27FC236}">
+                <a16:creationId xmlns:a16="http://schemas.microsoft.com/office/drawing/2014/main" id="{C7492CCE-C435-464E-A19A-D4C606FDBE3D}"/>
+              </a:ext>
+            </a:extLst>
+          </p:cNvPr>
+          <p:cNvSpPr>
+            <a:spLocks noGrp="1"/>
+          </p:cNvSpPr>
+          <p:nvPr>
+            <p:ph type="title"/>
+          </p:nvPr>
+        </p:nvSpPr>
+        <p:spPr>
+          <a:xfrm>
+            <a:off x="1703344" y="-360286"/>
+            <a:ext cx="9384865" cy="1752599"/>
+          </a:xfrm>
+        </p:spPr>
+        <p:txBody>
+          <a:bodyPr>
+            <a:normAutofit/>
+          </a:bodyPr>
+          <a:lstStyle/>
+          <a:p>
+            <a:pPr algn="l"/>
+            <a:r>
+              <a:rPr lang="en-US" dirty="0"/>
+              <a:t>EC2 and Lambda</a:t>
+            </a:r>
+          </a:p>
+        </p:txBody>
+      </p:sp>
+      <p:sp>
+        <p:nvSpPr>
+          <p:cNvPr id="20" name="TextBox 19">
+            <a:extLst>
+              <a:ext uri="{FF2B5EF4-FFF2-40B4-BE49-F238E27FC236}">
+                <a16:creationId xmlns:a16="http://schemas.microsoft.com/office/drawing/2014/main" id="{E1C8668D-2BCA-455D-B054-A840633E1F6D}"/>
+              </a:ext>
+            </a:extLst>
+          </p:cNvPr>
+          <p:cNvSpPr txBox="1"/>
+          <p:nvPr/>
+        </p:nvSpPr>
+        <p:spPr>
+          <a:xfrm>
+            <a:off x="1609725" y="928821"/>
+            <a:ext cx="4391025" cy="3416320"/>
+          </a:xfrm>
+          <a:prstGeom prst="rect">
+            <a:avLst/>
+          </a:prstGeom>
+          <a:noFill/>
+        </p:spPr>
+        <p:txBody>
+          <a:bodyPr wrap="square" rtlCol="0">
+            <a:spAutoFit/>
+          </a:bodyPr>
+          <a:lstStyle/>
+          <a:p>
+            <a:pPr marL="285750" indent="-285750">
+              <a:buFont typeface="Arial" panose="020B0604020202020204" pitchFamily="34" charset="0"/>
+              <a:buChar char="•"/>
+            </a:pPr>
+            <a:r>
+              <a:rPr lang="en-US" dirty="0"/>
+              <a:t>EC2 is a persistent virtual environment</a:t>
+            </a:r>
+            <a:br>
+              <a:rPr lang="en-US" dirty="0"/>
+            </a:br>
+            <a:endParaRPr lang="en-US" dirty="0"/>
+          </a:p>
+          <a:p>
+            <a:pPr marL="742950" lvl="1" indent="-285750">
+              <a:buFont typeface="Arial" panose="020B0604020202020204" pitchFamily="34" charset="0"/>
+              <a:buChar char="•"/>
+            </a:pPr>
+            <a:r>
+              <a:rPr lang="en-US" dirty="0"/>
+              <a:t>More setup and maintenance</a:t>
+            </a:r>
+          </a:p>
+          <a:p>
+            <a:pPr marL="742950" lvl="1" indent="-285750">
+              <a:buFont typeface="Arial" panose="020B0604020202020204" pitchFamily="34" charset="0"/>
+              <a:buChar char="•"/>
+            </a:pPr>
+            <a:r>
+              <a:rPr lang="en-US" dirty="0"/>
+              <a:t>Better suited for constant or high-load processing</a:t>
+            </a:r>
+            <a:br>
+              <a:rPr lang="en-US" dirty="0"/>
+            </a:br>
+            <a:endParaRPr lang="en-US" dirty="0"/>
+          </a:p>
+          <a:p>
+            <a:pPr marL="285750" indent="-285750">
+              <a:buFont typeface="Arial" panose="020B0604020202020204" pitchFamily="34" charset="0"/>
+              <a:buChar char="•"/>
+            </a:pPr>
+            <a:r>
+              <a:rPr lang="en-US" dirty="0"/>
+              <a:t>Lambda is event-driven code execution</a:t>
+            </a:r>
+            <a:br>
+              <a:rPr lang="en-US" dirty="0"/>
+            </a:br>
+            <a:endParaRPr lang="en-US" dirty="0"/>
+          </a:p>
+          <a:p>
+            <a:pPr marL="742950" lvl="1" indent="-285750">
+              <a:buFont typeface="Arial" panose="020B0604020202020204" pitchFamily="34" charset="0"/>
+              <a:buChar char="•"/>
+            </a:pPr>
+            <a:r>
+              <a:rPr lang="en-US" dirty="0"/>
+              <a:t>Lightweight</a:t>
+            </a:r>
+          </a:p>
+          <a:p>
+            <a:pPr marL="742950" lvl="1" indent="-285750">
+              <a:buFont typeface="Arial" panose="020B0604020202020204" pitchFamily="34" charset="0"/>
+              <a:buChar char="•"/>
+            </a:pPr>
+            <a:r>
+              <a:rPr lang="en-US" dirty="0"/>
+              <a:t>Executes the code you want off the trigger of a specific event</a:t>
+            </a:r>
+          </a:p>
+          <a:p>
+            <a:pPr marL="742950" lvl="1" indent="-285750">
+              <a:buFont typeface="Arial" panose="020B0604020202020204" pitchFamily="34" charset="0"/>
+              <a:buChar char="•"/>
+            </a:pPr>
+            <a:r>
+              <a:rPr lang="en-US" dirty="0"/>
+              <a:t>Flexible</a:t>
+            </a:r>
+          </a:p>
+        </p:txBody>
+      </p:sp>
+      <p:pic>
+        <p:nvPicPr>
+          <p:cNvPr id="4" name="Picture 3" descr="Text&#10;&#10;Description automatically generated">
+            <a:extLst>
+              <a:ext uri="{FF2B5EF4-FFF2-40B4-BE49-F238E27FC236}">
+                <a16:creationId xmlns:a16="http://schemas.microsoft.com/office/drawing/2014/main" id="{B925B236-F6E2-4D46-96B6-7B6841E6EA1D}"/>
+              </a:ext>
+            </a:extLst>
+          </p:cNvPr>
+          <p:cNvPicPr>
+            <a:picLocks noChangeAspect="1"/>
+          </p:cNvPicPr>
+          <p:nvPr/>
+        </p:nvPicPr>
+        <p:blipFill>
+          <a:blip r:embed="rId2"/>
+          <a:stretch>
+            <a:fillRect/>
+          </a:stretch>
+        </p:blipFill>
+        <p:spPr>
+          <a:xfrm>
+            <a:off x="6000749" y="1085064"/>
+            <a:ext cx="5680671" cy="1260663"/>
+          </a:xfrm>
+          <a:prstGeom prst="rect">
+            <a:avLst/>
+          </a:prstGeom>
+        </p:spPr>
+      </p:pic>
+      <p:pic>
+        <p:nvPicPr>
+          <p:cNvPr id="6" name="Picture 5">
+            <a:extLst>
+              <a:ext uri="{FF2B5EF4-FFF2-40B4-BE49-F238E27FC236}">
+                <a16:creationId xmlns:a16="http://schemas.microsoft.com/office/drawing/2014/main" id="{5ECCAFAD-39F7-4AFF-9CD9-452F24783C9C}"/>
+              </a:ext>
+            </a:extLst>
+          </p:cNvPr>
+          <p:cNvPicPr>
+            <a:picLocks noChangeAspect="1"/>
+          </p:cNvPicPr>
+          <p:nvPr/>
+        </p:nvPicPr>
+        <p:blipFill>
+          <a:blip r:embed="rId3"/>
+          <a:stretch>
+            <a:fillRect/>
+          </a:stretch>
+        </p:blipFill>
+        <p:spPr>
+          <a:xfrm>
+            <a:off x="6000749" y="2798956"/>
+            <a:ext cx="5680671" cy="835878"/>
+          </a:xfrm>
+          <a:prstGeom prst="rect">
+            <a:avLst/>
+          </a:prstGeom>
+        </p:spPr>
+      </p:pic>
+      <p:pic>
+        <p:nvPicPr>
+          <p:cNvPr id="8" name="Picture 7">
+            <a:extLst>
+              <a:ext uri="{FF2B5EF4-FFF2-40B4-BE49-F238E27FC236}">
+                <a16:creationId xmlns:a16="http://schemas.microsoft.com/office/drawing/2014/main" id="{12A24A8F-424A-4874-ABBC-5B7E68A0670D}"/>
+              </a:ext>
+            </a:extLst>
+          </p:cNvPr>
+          <p:cNvPicPr>
+            <a:picLocks noChangeAspect="1"/>
+          </p:cNvPicPr>
+          <p:nvPr/>
+        </p:nvPicPr>
+        <p:blipFill>
+          <a:blip r:embed="rId4"/>
+          <a:stretch>
+            <a:fillRect/>
+          </a:stretch>
+        </p:blipFill>
+        <p:spPr>
+          <a:xfrm>
+            <a:off x="6350047" y="3071517"/>
+            <a:ext cx="4982075" cy="2701419"/>
+          </a:xfrm>
+          <a:prstGeom prst="rect">
+            <a:avLst/>
+          </a:prstGeom>
+        </p:spPr>
+      </p:pic>
+      <p:pic>
+        <p:nvPicPr>
+          <p:cNvPr id="10" name="Picture 9">
+            <a:extLst>
+              <a:ext uri="{FF2B5EF4-FFF2-40B4-BE49-F238E27FC236}">
+                <a16:creationId xmlns:a16="http://schemas.microsoft.com/office/drawing/2014/main" id="{5BAC44FA-64A3-41CB-9FB5-2BCE0928DE71}"/>
+              </a:ext>
+            </a:extLst>
+          </p:cNvPr>
+          <p:cNvPicPr>
+            <a:picLocks noChangeAspect="1"/>
+          </p:cNvPicPr>
+          <p:nvPr/>
+        </p:nvPicPr>
+        <p:blipFill>
+          <a:blip r:embed="rId5"/>
+          <a:stretch>
+            <a:fillRect/>
+          </a:stretch>
+        </p:blipFill>
+        <p:spPr>
+          <a:xfrm>
+            <a:off x="6157694" y="3429000"/>
+            <a:ext cx="5366779" cy="517847"/>
+          </a:xfrm>
+          <a:prstGeom prst="rect">
+            <a:avLst/>
+          </a:prstGeom>
+        </p:spPr>
+      </p:pic>
+    </p:spTree>
+    <p:extLst>
+      <p:ext uri="{BB962C8B-B14F-4D97-AF65-F5344CB8AC3E}">
+        <p14:creationId xmlns:p14="http://schemas.microsoft.com/office/powerpoint/2010/main" val="3705333513"/>
+      </p:ext>
+    </p:extLst>
+  </p:cSld>
+  <p:clrMapOvr>
+    <a:overrideClrMapping bg1="dk1" tx1="lt1" bg2="dk2" tx2="lt2" accent1="accent1" accent2="accent2" accent3="accent3" accent4="accent4" accent5="accent5" accent6="accent6" hlink="hlink" folHlink="folHlink"/>
+  </p:clrMapOvr>
+  <p:timing>
+    <p:tnLst>
+      <p:par>
+        <p:cTn id="1" dur="indefinite" restart="never" nodeType="tmRoot">
+          <p:childTnLst>
+            <p:seq concurrent="1" nextAc="seek">
+              <p:cTn id="2" dur="indefinite" nodeType="mainSeq">
+                <p:childTnLst>
+                  <p:par>
+                    <p:cTn id="3" fill="hold">
+                      <p:stCondLst>
+                        <p:cond delay="indefinite"/>
+                      </p:stCondLst>
+                      <p:childTnLst>
+                        <p:par>
+                          <p:cTn id="4" fill="hold">
+                            <p:stCondLst>
+                              <p:cond delay="0"/>
+                            </p:stCondLst>
+                            <p:childTnLst>
+                              <p:par>
+                                <p:cTn id="5" presetID="1" presetClass="entr" presetSubtype="0" fill="hold" nodeType="clickEffect">
+                                  <p:stCondLst>
+                                    <p:cond delay="0"/>
+                                  </p:stCondLst>
+                                  <p:childTnLst>
+                                    <p:set>
+                                      <p:cBhvr>
+                                        <p:cTn id="6" dur="1" fill="hold">
+                                          <p:stCondLst>
+                                            <p:cond delay="0"/>
+                                          </p:stCondLst>
+                                        </p:cTn>
+                                        <p:tgtEl>
+                                          <p:spTgt spid="20">
+                                            <p:txEl>
+                                              <p:pRg st="3" end="3"/>
+                                            </p:txEl>
+                                          </p:spTgt>
+                                        </p:tgtEl>
+                                        <p:attrNameLst>
+                                          <p:attrName>style.visibility</p:attrName>
+                                        </p:attrNameLst>
+                                      </p:cBhvr>
+                                      <p:to>
+                                        <p:strVal val="visible"/>
+                                      </p:to>
+                                    </p:set>
+                                  </p:childTnLst>
+                                </p:cTn>
+                              </p:par>
+                              <p:par>
+                                <p:cTn id="7" presetID="1" presetClass="entr" presetSubtype="0" fill="hold" nodeType="withEffect">
+                                  <p:stCondLst>
+                                    <p:cond delay="0"/>
+                                  </p:stCondLst>
+                                  <p:childTnLst>
+                                    <p:set>
+                                      <p:cBhvr>
+                                        <p:cTn id="8" dur="1" fill="hold">
+                                          <p:stCondLst>
+                                            <p:cond delay="0"/>
+                                          </p:stCondLst>
+                                        </p:cTn>
+                                        <p:tgtEl>
+                                          <p:spTgt spid="6"/>
+                                        </p:tgtEl>
+                                        <p:attrNameLst>
+                                          <p:attrName>style.visibility</p:attrName>
+                                        </p:attrNameLst>
+                                      </p:cBhvr>
+                                      <p:to>
+                                        <p:strVal val="visible"/>
+                                      </p:to>
+                                    </p:set>
+                                  </p:childTnLst>
+                                </p:cTn>
+                              </p:par>
+                            </p:childTnLst>
+                          </p:cTn>
+                        </p:par>
+                      </p:childTnLst>
+                    </p:cTn>
+                  </p:par>
+                  <p:par>
+                    <p:cTn id="9" fill="hold">
+                      <p:stCondLst>
+                        <p:cond delay="indefinite"/>
+                      </p:stCondLst>
+                      <p:childTnLst>
+                        <p:par>
+                          <p:cTn id="10" fill="hold">
+                            <p:stCondLst>
+                              <p:cond delay="0"/>
+                            </p:stCondLst>
+                            <p:childTnLst>
+                              <p:par>
+                                <p:cTn id="11" presetID="1" presetClass="entr" presetSubtype="0" fill="hold" nodeType="clickEffect">
+                                  <p:stCondLst>
+                                    <p:cond delay="0"/>
+                                  </p:stCondLst>
+                                  <p:childTnLst>
+                                    <p:set>
+                                      <p:cBhvr>
+                                        <p:cTn id="12" dur="1" fill="hold">
+                                          <p:stCondLst>
+                                            <p:cond delay="0"/>
+                                          </p:stCondLst>
+                                        </p:cTn>
+                                        <p:tgtEl>
+                                          <p:spTgt spid="20">
+                                            <p:txEl>
+                                              <p:pRg st="1" end="1"/>
+                                            </p:txEl>
+                                          </p:spTgt>
+                                        </p:tgtEl>
+                                        <p:attrNameLst>
+                                          <p:attrName>style.visibility</p:attrName>
+                                        </p:attrNameLst>
+                                      </p:cBhvr>
+                                      <p:to>
+                                        <p:strVal val="visible"/>
+                                      </p:to>
+                                    </p:set>
+                                  </p:childTnLst>
+                                </p:cTn>
+                              </p:par>
+                            </p:childTnLst>
+                          </p:cTn>
+                        </p:par>
+                      </p:childTnLst>
+                    </p:cTn>
+                  </p:par>
+                  <p:par>
+                    <p:cTn id="13" fill="hold">
+                      <p:stCondLst>
+                        <p:cond delay="indefinite"/>
+                      </p:stCondLst>
+                      <p:childTnLst>
+                        <p:par>
+                          <p:cTn id="14" fill="hold">
+                            <p:stCondLst>
+                              <p:cond delay="0"/>
+                            </p:stCondLst>
+                            <p:childTnLst>
+                              <p:par>
+                                <p:cTn id="15" presetID="1" presetClass="entr" presetSubtype="0" fill="hold" nodeType="clickEffect">
+                                  <p:stCondLst>
+                                    <p:cond delay="0"/>
+                                  </p:stCondLst>
+                                  <p:childTnLst>
+                                    <p:set>
+                                      <p:cBhvr>
+                                        <p:cTn id="16" dur="1" fill="hold">
+                                          <p:stCondLst>
+                                            <p:cond delay="0"/>
+                                          </p:stCondLst>
+                                        </p:cTn>
+                                        <p:tgtEl>
+                                          <p:spTgt spid="20">
+                                            <p:txEl>
+                                              <p:pRg st="2" end="2"/>
+                                            </p:txEl>
+                                          </p:spTgt>
+                                        </p:tgtEl>
+                                        <p:attrNameLst>
+                                          <p:attrName>style.visibility</p:attrName>
+                                        </p:attrNameLst>
+                                      </p:cBhvr>
+                                      <p:to>
+                                        <p:strVal val="visible"/>
+                                      </p:to>
+                                    </p:set>
+                                  </p:childTnLst>
+                                </p:cTn>
+                              </p:par>
+                            </p:childTnLst>
+                          </p:cTn>
+                        </p:par>
+                      </p:childTnLst>
+                    </p:cTn>
+                  </p:par>
+                  <p:par>
+                    <p:cTn id="17" fill="hold">
+                      <p:stCondLst>
+                        <p:cond delay="indefinite"/>
+                      </p:stCondLst>
+                      <p:childTnLst>
+                        <p:par>
+                          <p:cTn id="18" fill="hold">
+                            <p:stCondLst>
+                              <p:cond delay="0"/>
+                            </p:stCondLst>
+                            <p:childTnLst>
+                              <p:par>
+                                <p:cTn id="19" presetID="1" presetClass="entr" presetSubtype="0" fill="hold" nodeType="clickEffect">
+                                  <p:stCondLst>
+                                    <p:cond delay="0"/>
+                                  </p:stCondLst>
+                                  <p:childTnLst>
+                                    <p:set>
+                                      <p:cBhvr>
+                                        <p:cTn id="20" dur="1" fill="hold">
+                                          <p:stCondLst>
+                                            <p:cond delay="0"/>
+                                          </p:stCondLst>
+                                        </p:cTn>
+                                        <p:tgtEl>
+                                          <p:spTgt spid="20">
+                                            <p:txEl>
+                                              <p:pRg st="4" end="4"/>
+                                            </p:txEl>
+                                          </p:spTgt>
+                                        </p:tgtEl>
+                                        <p:attrNameLst>
+                                          <p:attrName>style.visibility</p:attrName>
+                                        </p:attrNameLst>
+                                      </p:cBhvr>
+                                      <p:to>
+                                        <p:strVal val="visible"/>
+                                      </p:to>
+                                    </p:set>
+                                  </p:childTnLst>
+                                </p:cTn>
+                              </p:par>
+                            </p:childTnLst>
+                          </p:cTn>
+                        </p:par>
+                      </p:childTnLst>
+                    </p:cTn>
+                  </p:par>
+                  <p:par>
+                    <p:cTn id="21" fill="hold">
+                      <p:stCondLst>
+                        <p:cond delay="indefinite"/>
+                      </p:stCondLst>
+                      <p:childTnLst>
+                        <p:par>
+                          <p:cTn id="22" fill="hold">
+                            <p:stCondLst>
+                              <p:cond delay="0"/>
+                            </p:stCondLst>
+                            <p:childTnLst>
+                              <p:par>
+                                <p:cTn id="23" presetID="1" presetClass="entr" presetSubtype="0" fill="hold" nodeType="clickEffect">
+                                  <p:stCondLst>
+                                    <p:cond delay="0"/>
+                                  </p:stCondLst>
+                                  <p:childTnLst>
+                                    <p:set>
+                                      <p:cBhvr>
+                                        <p:cTn id="24" dur="1" fill="hold">
+                                          <p:stCondLst>
+                                            <p:cond delay="0"/>
+                                          </p:stCondLst>
+                                        </p:cTn>
+                                        <p:tgtEl>
+                                          <p:spTgt spid="20">
+                                            <p:txEl>
+                                              <p:pRg st="5" end="5"/>
+                                            </p:txEl>
+                                          </p:spTgt>
+                                        </p:tgtEl>
+                                        <p:attrNameLst>
+                                          <p:attrName>style.visibility</p:attrName>
+                                        </p:attrNameLst>
+                                      </p:cBhvr>
+                                      <p:to>
+                                        <p:strVal val="visible"/>
+                                      </p:to>
+                                    </p:set>
+                                  </p:childTnLst>
+                                </p:cTn>
+                              </p:par>
+                            </p:childTnLst>
+                          </p:cTn>
+                        </p:par>
+                      </p:childTnLst>
+                    </p:cTn>
+                  </p:par>
+                  <p:par>
+                    <p:cTn id="25" fill="hold">
+                      <p:stCondLst>
+                        <p:cond delay="indefinite"/>
+                      </p:stCondLst>
+                      <p:childTnLst>
+                        <p:par>
+                          <p:cTn id="26" fill="hold">
+                            <p:stCondLst>
+                              <p:cond delay="0"/>
+                            </p:stCondLst>
+                            <p:childTnLst>
+                              <p:par>
+                                <p:cTn id="27" presetID="1" presetClass="entr" presetSubtype="0" fill="hold" nodeType="clickEffect">
+                                  <p:stCondLst>
+                                    <p:cond delay="0"/>
+                                  </p:stCondLst>
+                                  <p:childTnLst>
+                                    <p:set>
+                                      <p:cBhvr>
+                                        <p:cTn id="28" dur="1" fill="hold">
+                                          <p:stCondLst>
+                                            <p:cond delay="0"/>
+                                          </p:stCondLst>
+                                        </p:cTn>
+                                        <p:tgtEl>
+                                          <p:spTgt spid="20">
+                                            <p:txEl>
+                                              <p:pRg st="6" end="6"/>
+                                            </p:txEl>
+                                          </p:spTgt>
+                                        </p:tgtEl>
+                                        <p:attrNameLst>
+                                          <p:attrName>style.visibility</p:attrName>
+                                        </p:attrNameLst>
+                                      </p:cBhvr>
+                                      <p:to>
+                                        <p:strVal val="visible"/>
+                                      </p:to>
+                                    </p:set>
+                                  </p:childTnLst>
+                                </p:cTn>
+                              </p:par>
+                            </p:childTnLst>
+                          </p:cTn>
+                        </p:par>
+                      </p:childTnLst>
+                    </p:cTn>
+                  </p:par>
+                  <p:par>
+                    <p:cTn id="29" fill="hold">
+                      <p:stCondLst>
+                        <p:cond delay="indefinite"/>
+                      </p:stCondLst>
+                      <p:childTnLst>
+                        <p:par>
+                          <p:cTn id="30" fill="hold">
+                            <p:stCondLst>
+                              <p:cond delay="0"/>
+                            </p:stCondLst>
+                            <p:childTnLst>
+                              <p:par>
+                                <p:cTn id="31" presetID="1" presetClass="entr" presetSubtype="0" fill="hold" nodeType="clickEffect">
+                                  <p:stCondLst>
+                                    <p:cond delay="0"/>
+                                  </p:stCondLst>
+                                  <p:childTnLst>
+                                    <p:set>
+                                      <p:cBhvr>
+                                        <p:cTn id="32" dur="1" fill="hold">
+                                          <p:stCondLst>
+                                            <p:cond delay="0"/>
+                                          </p:stCondLst>
+                                        </p:cTn>
+                                        <p:tgtEl>
+                                          <p:spTgt spid="8"/>
+                                        </p:tgtEl>
+                                        <p:attrNameLst>
+                                          <p:attrName>style.visibility</p:attrName>
+                                        </p:attrNameLst>
+                                      </p:cBhvr>
+                                      <p:to>
+                                        <p:strVal val="visible"/>
+                                      </p:to>
+                                    </p:set>
+                                  </p:childTnLst>
+                                </p:cTn>
+                              </p:par>
+                              <p:par>
+                                <p:cTn id="33" presetID="1" presetClass="exit" presetSubtype="0" fill="hold" nodeType="withEffect">
+                                  <p:stCondLst>
+                                    <p:cond delay="0"/>
+                                  </p:stCondLst>
+                                  <p:childTnLst>
+                                    <p:set>
+                                      <p:cBhvr>
+                                        <p:cTn id="34" dur="1" fill="hold">
+                                          <p:stCondLst>
+                                            <p:cond delay="0"/>
+                                          </p:stCondLst>
+                                        </p:cTn>
+                                        <p:tgtEl>
+                                          <p:spTgt spid="6"/>
+                                        </p:tgtEl>
+                                        <p:attrNameLst>
+                                          <p:attrName>style.visibility</p:attrName>
+                                        </p:attrNameLst>
+                                      </p:cBhvr>
+                                      <p:to>
+                                        <p:strVal val="hidden"/>
+                                      </p:to>
+                                    </p:set>
+                                  </p:childTnLst>
+                                </p:cTn>
+                              </p:par>
+                            </p:childTnLst>
+                          </p:cTn>
+                        </p:par>
+                      </p:childTnLst>
+                    </p:cTn>
+                  </p:par>
+                  <p:par>
+                    <p:cTn id="35" fill="hold">
+                      <p:stCondLst>
+                        <p:cond delay="indefinite"/>
+                      </p:stCondLst>
+                      <p:childTnLst>
+                        <p:par>
+                          <p:cTn id="36" fill="hold">
+                            <p:stCondLst>
+                              <p:cond delay="0"/>
+                            </p:stCondLst>
+                            <p:childTnLst>
+                              <p:par>
+                                <p:cTn id="37" presetID="1" presetClass="entr" presetSubtype="0" fill="hold" nodeType="clickEffect">
+                                  <p:stCondLst>
+                                    <p:cond delay="0"/>
+                                  </p:stCondLst>
+                                  <p:childTnLst>
+                                    <p:set>
+                                      <p:cBhvr>
+                                        <p:cTn id="38" dur="1" fill="hold">
+                                          <p:stCondLst>
+                                            <p:cond delay="0"/>
+                                          </p:stCondLst>
+                                        </p:cTn>
+                                        <p:tgtEl>
+                                          <p:spTgt spid="10"/>
+                                        </p:tgtEl>
+                                        <p:attrNameLst>
+                                          <p:attrName>style.visibility</p:attrName>
+                                        </p:attrNameLst>
+                                      </p:cBhvr>
+                                      <p:to>
+                                        <p:strVal val="visible"/>
+                                      </p:to>
+                                    </p:set>
+                                  </p:childTnLst>
+                                </p:cTn>
+                              </p:par>
+                              <p:par>
+                                <p:cTn id="39" presetID="1" presetClass="exit" presetSubtype="0" fill="hold" nodeType="withEffect">
+                                  <p:stCondLst>
+                                    <p:cond delay="0"/>
+                                  </p:stCondLst>
+                                  <p:childTnLst>
+                                    <p:set>
+                                      <p:cBhvr>
+                                        <p:cTn id="40" dur="1" fill="hold">
+                                          <p:stCondLst>
+                                            <p:cond delay="0"/>
+                                          </p:stCondLst>
+                                        </p:cTn>
+                                        <p:tgtEl>
+                                          <p:spTgt spid="8"/>
+                                        </p:tgtEl>
+                                        <p:attrNameLst>
+                                          <p:attrName>style.visibility</p:attrName>
+                                        </p:attrNameLst>
+                                      </p:cBhvr>
+                                      <p:to>
+                                        <p:strVal val="hidden"/>
+                                      </p:to>
+                                    </p:set>
+                                  </p:childTnLst>
+                                </p:cTn>
+                              </p:par>
+                            </p:childTnLst>
+                          </p:cTn>
+                        </p:par>
+                      </p:childTnLst>
+                    </p:cTn>
+                  </p:par>
+                </p:childTnLst>
+              </p:cTn>
+              <p:prevCondLst>
+                <p:cond evt="onPrev" delay="0">
+                  <p:tgtEl>
+                    <p:sldTgt/>
+                  </p:tgtEl>
+                </p:cond>
+              </p:prevCondLst>
+              <p:nextCondLst>
+                <p:cond evt="onNext" delay="0">
+                  <p:tgtEl>
+                    <p:sldTgt/>
+                  </p:tgtEl>
+                </p:cond>
+              </p:nextCondLst>
+            </p:seq>
+          </p:childTnLst>
+        </p:cTn>
+      </p:par>
+    </p:tnLst>
+  </p:timing>
 </p:sld>
 </file>
 
@@ -7865,6 +10322,23 @@
 </file>
 
 <file path=customXml/item1.xml><?xml version="1.0" encoding="utf-8"?>
+<p:properties xmlns:p="http://schemas.microsoft.com/office/2006/metadata/properties" xmlns:xsi="http://www.w3.org/2001/XMLSchema-instance" xmlns:pc="http://schemas.microsoft.com/office/infopath/2007/PartnerControls">
+  <documentManagement>
+    <MediaServiceKeyPoints xmlns="71af3243-3dd4-4a8d-8c0d-dd76da1f02a5" xsi:nil="true"/>
+  </documentManagement>
+</p:properties>
+</file>
+
+<file path=customXml/item2.xml><?xml version="1.0" encoding="utf-8"?>
+<?mso-contentType ?>
+<FormTemplates xmlns="http://schemas.microsoft.com/sharepoint/v3/contenttype/forms">
+  <Display>DocumentLibraryForm</Display>
+  <Edit>DocumentLibraryForm</Edit>
+  <New>DocumentLibraryForm</New>
+</FormTemplates>
+</file>
+
+<file path=customXml/item3.xml><?xml version="1.0" encoding="utf-8"?>
 <ct:contentTypeSchema xmlns:ct="http://schemas.microsoft.com/office/2006/metadata/contentType" xmlns:ma="http://schemas.microsoft.com/office/2006/metadata/properties/metaAttributes" ct:_="" ma:_="" ma:contentTypeName="Document" ma:contentTypeID="0x01010079F111ED35F8CC479449609E8A0923A6" ma:contentTypeVersion="11" ma:contentTypeDescription="Create a new document." ma:contentTypeScope="" ma:versionID="9677210f24a1be23c92c90fd886aa0aa">
   <xsd:schema xmlns:xsd="http://www.w3.org/2001/XMLSchema" xmlns:xs="http://www.w3.org/2001/XMLSchema" xmlns:p="http://schemas.microsoft.com/office/2006/metadata/properties" xmlns:ns2="71af3243-3dd4-4a8d-8c0d-dd76da1f02a5" xmlns:ns3="16c05727-aa75-4e4a-9b5f-8a80a1165891" targetNamespace="http://schemas.microsoft.com/office/2006/metadata/properties" ma:root="true" ma:fieldsID="60e05723c5c1908df1a1a4ebf11d344e" ns2:_="" ns3:_="">
     <xsd:import namespace="71af3243-3dd4-4a8d-8c0d-dd76da1f02a5"/>
@@ -8075,24 +10549,25 @@
 </ct:contentTypeSchema>
 </file>
 
-<file path=customXml/item2.xml><?xml version="1.0" encoding="utf-8"?>
-<?mso-contentType ?>
-<FormTemplates xmlns="http://schemas.microsoft.com/sharepoint/v3/contenttype/forms">
-  <Display>DocumentLibraryForm</Display>
-  <Edit>DocumentLibraryForm</Edit>
-  <New>DocumentLibraryForm</New>
-</FormTemplates>
+<file path=customXml/itemProps1.xml><?xml version="1.0" encoding="utf-8"?>
+<ds:datastoreItem xmlns:ds="http://schemas.openxmlformats.org/officeDocument/2006/customXml" ds:itemID="{D7023227-530E-4024-91EF-312A851A758C}">
+  <ds:schemaRefs>
+    <ds:schemaRef ds:uri="http://schemas.microsoft.com/office/2006/metadata/properties"/>
+    <ds:schemaRef ds:uri="http://schemas.microsoft.com/office/infopath/2007/PartnerControls"/>
+    <ds:schemaRef ds:uri="71af3243-3dd4-4a8d-8c0d-dd76da1f02a5"/>
+  </ds:schemaRefs>
+</ds:datastoreItem>
 </file>
 
-<file path=customXml/item3.xml><?xml version="1.0" encoding="utf-8"?>
-<p:properties xmlns:p="http://schemas.microsoft.com/office/2006/metadata/properties" xmlns:xsi="http://www.w3.org/2001/XMLSchema-instance" xmlns:pc="http://schemas.microsoft.com/office/infopath/2007/PartnerControls">
-  <documentManagement>
-    <MediaServiceKeyPoints xmlns="71af3243-3dd4-4a8d-8c0d-dd76da1f02a5" xsi:nil="true"/>
-  </documentManagement>
-</p:properties>
+<file path=customXml/itemProps2.xml><?xml version="1.0" encoding="utf-8"?>
+<ds:datastoreItem xmlns:ds="http://schemas.openxmlformats.org/officeDocument/2006/customXml" ds:itemID="{33315AA3-EAE3-44ED-8368-BAC2FFFB4817}">
+  <ds:schemaRefs>
+    <ds:schemaRef ds:uri="http://schemas.microsoft.com/sharepoint/v3/contenttype/forms"/>
+  </ds:schemaRefs>
+</ds:datastoreItem>
 </file>
 
-<file path=customXml/itemProps1.xml><?xml version="1.0" encoding="utf-8"?>
+<file path=customXml/itemProps3.xml><?xml version="1.0" encoding="utf-8"?>
 <ds:datastoreItem xmlns:ds="http://schemas.openxmlformats.org/officeDocument/2006/customXml" ds:itemID="{627C19A7-3107-4CB2-BD0D-F7C79BE028CC}">
   <ds:schemaRefs>
     <ds:schemaRef ds:uri="http://schemas.microsoft.com/office/2006/metadata/contentType"/>
@@ -8109,22 +10584,4 @@
     <ds:schemaRef ds:uri="http://schemas.microsoft.com/internal/obd"/>
   </ds:schemaRefs>
 </ds:datastoreItem>
-</file>
-
-<file path=customXml/itemProps2.xml><?xml version="1.0" encoding="utf-8"?>
-<ds:datastoreItem xmlns:ds="http://schemas.openxmlformats.org/officeDocument/2006/customXml" ds:itemID="{33315AA3-EAE3-44ED-8368-BAC2FFFB4817}">
-  <ds:schemaRefs>
-    <ds:schemaRef ds:uri="http://schemas.microsoft.com/sharepoint/v3/contenttype/forms"/>
-  </ds:schemaRefs>
-</ds:datastoreItem>
-</file>
-
-<file path=customXml/itemProps3.xml><?xml version="1.0" encoding="utf-8"?>
-<ds:datastoreItem xmlns:ds="http://schemas.openxmlformats.org/officeDocument/2006/customXml" ds:itemID="{D7023227-530E-4024-91EF-312A851A758C}">
-  <ds:schemaRefs>
-    <ds:schemaRef ds:uri="http://schemas.microsoft.com/office/2006/metadata/properties"/>
-    <ds:schemaRef ds:uri="http://schemas.microsoft.com/office/infopath/2007/PartnerControls"/>
-    <ds:schemaRef ds:uri="71af3243-3dd4-4a8d-8c0d-dd76da1f02a5"/>
-  </ds:schemaRefs>
-</ds:datastoreItem>
 </file>
--- a/docs/Spring/A Quick and Easy Guide to Hosting React.pptx
+++ b/docs/Spring/A Quick and Easy Guide to Hosting React.pptx
@@ -6914,6 +6914,456 @@
           </a:p>
         </p:txBody>
       </p:sp>
+      <p:pic>
+        <p:nvPicPr>
+          <p:cNvPr id="4" name="Picture 3" descr="A screenshot of a computer&#10;&#10;Description automatically generated with medium confidence">
+            <a:extLst>
+              <a:ext uri="{FF2B5EF4-FFF2-40B4-BE49-F238E27FC236}">
+                <a16:creationId xmlns:a16="http://schemas.microsoft.com/office/drawing/2014/main" id="{0417454C-D26F-4E83-BEB1-674155D71912}"/>
+              </a:ext>
+            </a:extLst>
+          </p:cNvPr>
+          <p:cNvPicPr>
+            <a:picLocks noChangeAspect="1"/>
+          </p:cNvPicPr>
+          <p:nvPr/>
+        </p:nvPicPr>
+        <p:blipFill>
+          <a:blip r:embed="rId2"/>
+          <a:stretch>
+            <a:fillRect/>
+          </a:stretch>
+        </p:blipFill>
+        <p:spPr>
+          <a:xfrm>
+            <a:off x="4779971" y="2840378"/>
+            <a:ext cx="7290702" cy="2441306"/>
+          </a:xfrm>
+          <a:prstGeom prst="rect">
+            <a:avLst/>
+          </a:prstGeom>
+        </p:spPr>
+      </p:pic>
+      <p:pic>
+        <p:nvPicPr>
+          <p:cNvPr id="6" name="Picture 5" descr="Graphical user interface, text, application, email&#10;&#10;Description automatically generated">
+            <a:extLst>
+              <a:ext uri="{FF2B5EF4-FFF2-40B4-BE49-F238E27FC236}">
+                <a16:creationId xmlns:a16="http://schemas.microsoft.com/office/drawing/2014/main" id="{B2F64BF9-70AF-4ADD-883F-D1BBCD7A77EF}"/>
+              </a:ext>
+            </a:extLst>
+          </p:cNvPr>
+          <p:cNvPicPr>
+            <a:picLocks noChangeAspect="1"/>
+          </p:cNvPicPr>
+          <p:nvPr/>
+        </p:nvPicPr>
+        <p:blipFill>
+          <a:blip r:embed="rId3"/>
+          <a:stretch>
+            <a:fillRect/>
+          </a:stretch>
+        </p:blipFill>
+        <p:spPr>
+          <a:xfrm>
+            <a:off x="6191252" y="55077"/>
+            <a:ext cx="5544572" cy="2785301"/>
+          </a:xfrm>
+          <a:prstGeom prst="rect">
+            <a:avLst/>
+          </a:prstGeom>
+        </p:spPr>
+      </p:pic>
+      <p:pic>
+        <p:nvPicPr>
+          <p:cNvPr id="8" name="Picture 7" descr="Table&#10;&#10;Description automatically generated">
+            <a:extLst>
+              <a:ext uri="{FF2B5EF4-FFF2-40B4-BE49-F238E27FC236}">
+                <a16:creationId xmlns:a16="http://schemas.microsoft.com/office/drawing/2014/main" id="{69DE1ECA-4CE9-4188-88AF-7E1884EB13A7}"/>
+              </a:ext>
+            </a:extLst>
+          </p:cNvPr>
+          <p:cNvPicPr>
+            <a:picLocks noChangeAspect="1"/>
+          </p:cNvPicPr>
+          <p:nvPr/>
+        </p:nvPicPr>
+        <p:blipFill>
+          <a:blip r:embed="rId4"/>
+          <a:stretch>
+            <a:fillRect/>
+          </a:stretch>
+        </p:blipFill>
+        <p:spPr>
+          <a:xfrm>
+            <a:off x="6426923" y="2971655"/>
+            <a:ext cx="4706134" cy="3748955"/>
+          </a:xfrm>
+          <a:prstGeom prst="rect">
+            <a:avLst/>
+          </a:prstGeom>
+        </p:spPr>
+      </p:pic>
+      <p:pic>
+        <p:nvPicPr>
+          <p:cNvPr id="10" name="Picture 9" descr="Graphical user interface, text, application, email&#10;&#10;Description automatically generated">
+            <a:extLst>
+              <a:ext uri="{FF2B5EF4-FFF2-40B4-BE49-F238E27FC236}">
+                <a16:creationId xmlns:a16="http://schemas.microsoft.com/office/drawing/2014/main" id="{40CC763A-CB35-4889-AEA4-6B4B350F6F2F}"/>
+              </a:ext>
+            </a:extLst>
+          </p:cNvPr>
+          <p:cNvPicPr>
+            <a:picLocks noChangeAspect="1"/>
+          </p:cNvPicPr>
+          <p:nvPr/>
+        </p:nvPicPr>
+        <p:blipFill>
+          <a:blip r:embed="rId5"/>
+          <a:stretch>
+            <a:fillRect/>
+          </a:stretch>
+        </p:blipFill>
+        <p:spPr>
+          <a:xfrm>
+            <a:off x="6479381" y="137390"/>
+            <a:ext cx="4601217" cy="6439799"/>
+          </a:xfrm>
+          <a:prstGeom prst="rect">
+            <a:avLst/>
+          </a:prstGeom>
+        </p:spPr>
+      </p:pic>
+      <p:pic>
+        <p:nvPicPr>
+          <p:cNvPr id="12" name="Picture 11" descr="Graphical user interface, text, application&#10;&#10;Description automatically generated">
+            <a:extLst>
+              <a:ext uri="{FF2B5EF4-FFF2-40B4-BE49-F238E27FC236}">
+                <a16:creationId xmlns:a16="http://schemas.microsoft.com/office/drawing/2014/main" id="{A2D0732C-8B99-48EF-A2DD-5CEF588676EE}"/>
+              </a:ext>
+            </a:extLst>
+          </p:cNvPr>
+          <p:cNvPicPr>
+            <a:picLocks noChangeAspect="1"/>
+          </p:cNvPicPr>
+          <p:nvPr/>
+        </p:nvPicPr>
+        <p:blipFill>
+          <a:blip r:embed="rId6"/>
+          <a:stretch>
+            <a:fillRect/>
+          </a:stretch>
+        </p:blipFill>
+        <p:spPr>
+          <a:xfrm>
+            <a:off x="4967381" y="2509393"/>
+            <a:ext cx="6915881" cy="4067796"/>
+          </a:xfrm>
+          <a:prstGeom prst="rect">
+            <a:avLst/>
+          </a:prstGeom>
+        </p:spPr>
+      </p:pic>
+      <p:pic>
+        <p:nvPicPr>
+          <p:cNvPr id="14" name="Picture 13" descr="Text&#10;&#10;Description automatically generated">
+            <a:extLst>
+              <a:ext uri="{FF2B5EF4-FFF2-40B4-BE49-F238E27FC236}">
+                <a16:creationId xmlns:a16="http://schemas.microsoft.com/office/drawing/2014/main" id="{DAE200C5-7A58-47A0-ADDE-54B7A319B5A2}"/>
+              </a:ext>
+            </a:extLst>
+          </p:cNvPr>
+          <p:cNvPicPr>
+            <a:picLocks noChangeAspect="1"/>
+          </p:cNvPicPr>
+          <p:nvPr/>
+        </p:nvPicPr>
+        <p:blipFill>
+          <a:blip r:embed="rId7"/>
+          <a:stretch>
+            <a:fillRect/>
+          </a:stretch>
+        </p:blipFill>
+        <p:spPr>
+          <a:xfrm>
+            <a:off x="4779971" y="2616700"/>
+            <a:ext cx="7185590" cy="1387657"/>
+          </a:xfrm>
+          <a:prstGeom prst="rect">
+            <a:avLst/>
+          </a:prstGeom>
+        </p:spPr>
+      </p:pic>
+      <p:pic>
+        <p:nvPicPr>
+          <p:cNvPr id="16" name="Picture 15" descr="Graphical user interface, application, Word&#10;&#10;Description automatically generated">
+            <a:extLst>
+              <a:ext uri="{FF2B5EF4-FFF2-40B4-BE49-F238E27FC236}">
+                <a16:creationId xmlns:a16="http://schemas.microsoft.com/office/drawing/2014/main" id="{2AC723D7-B330-48CA-8FEF-A2F3C1FF3E60}"/>
+              </a:ext>
+            </a:extLst>
+          </p:cNvPr>
+          <p:cNvPicPr>
+            <a:picLocks noChangeAspect="1"/>
+          </p:cNvPicPr>
+          <p:nvPr/>
+        </p:nvPicPr>
+        <p:blipFill>
+          <a:blip r:embed="rId8"/>
+          <a:stretch>
+            <a:fillRect/>
+          </a:stretch>
+        </p:blipFill>
+        <p:spPr>
+          <a:xfrm>
+            <a:off x="6884249" y="379981"/>
+            <a:ext cx="4158578" cy="5628933"/>
+          </a:xfrm>
+          <a:prstGeom prst="rect">
+            <a:avLst/>
+          </a:prstGeom>
+        </p:spPr>
+      </p:pic>
+      <p:pic>
+        <p:nvPicPr>
+          <p:cNvPr id="18" name="Picture 17" descr="Graphical user interface, application&#10;&#10;Description automatically generated">
+            <a:extLst>
+              <a:ext uri="{FF2B5EF4-FFF2-40B4-BE49-F238E27FC236}">
+                <a16:creationId xmlns:a16="http://schemas.microsoft.com/office/drawing/2014/main" id="{B5001164-A6A1-4621-9447-424EF254024D}"/>
+              </a:ext>
+            </a:extLst>
+          </p:cNvPr>
+          <p:cNvPicPr>
+            <a:picLocks noChangeAspect="1"/>
+          </p:cNvPicPr>
+          <p:nvPr/>
+        </p:nvPicPr>
+        <p:blipFill>
+          <a:blip r:embed="rId9"/>
+          <a:stretch>
+            <a:fillRect/>
+          </a:stretch>
+        </p:blipFill>
+        <p:spPr>
+          <a:xfrm>
+            <a:off x="1609725" y="4543291"/>
+            <a:ext cx="10015820" cy="1874508"/>
+          </a:xfrm>
+          <a:prstGeom prst="rect">
+            <a:avLst/>
+          </a:prstGeom>
+        </p:spPr>
+      </p:pic>
+      <p:pic>
+        <p:nvPicPr>
+          <p:cNvPr id="21" name="Picture 20" descr="Graphical user interface, text, application, Teams&#10;&#10;Description automatically generated">
+            <a:extLst>
+              <a:ext uri="{FF2B5EF4-FFF2-40B4-BE49-F238E27FC236}">
+                <a16:creationId xmlns:a16="http://schemas.microsoft.com/office/drawing/2014/main" id="{D863DDBB-66A4-4560-9392-22A316EC336C}"/>
+              </a:ext>
+            </a:extLst>
+          </p:cNvPr>
+          <p:cNvPicPr>
+            <a:picLocks noChangeAspect="1"/>
+          </p:cNvPicPr>
+          <p:nvPr/>
+        </p:nvPicPr>
+        <p:blipFill>
+          <a:blip r:embed="rId10"/>
+          <a:stretch>
+            <a:fillRect/>
+          </a:stretch>
+        </p:blipFill>
+        <p:spPr>
+          <a:xfrm>
+            <a:off x="4779971" y="2482416"/>
+            <a:ext cx="7175685" cy="3007138"/>
+          </a:xfrm>
+          <a:prstGeom prst="rect">
+            <a:avLst/>
+          </a:prstGeom>
+        </p:spPr>
+      </p:pic>
+      <p:pic>
+        <p:nvPicPr>
+          <p:cNvPr id="23" name="Picture 22" descr="Graphical user interface, text, application, email&#10;&#10;Description automatically generated">
+            <a:extLst>
+              <a:ext uri="{FF2B5EF4-FFF2-40B4-BE49-F238E27FC236}">
+                <a16:creationId xmlns:a16="http://schemas.microsoft.com/office/drawing/2014/main" id="{718D077C-759E-4BA6-BDE7-2AF6CDBE2300}"/>
+              </a:ext>
+            </a:extLst>
+          </p:cNvPr>
+          <p:cNvPicPr>
+            <a:picLocks noChangeAspect="1"/>
+          </p:cNvPicPr>
+          <p:nvPr/>
+        </p:nvPicPr>
+        <p:blipFill>
+          <a:blip r:embed="rId11"/>
+          <a:stretch>
+            <a:fillRect/>
+          </a:stretch>
+        </p:blipFill>
+        <p:spPr>
+          <a:xfrm>
+            <a:off x="5867400" y="733721"/>
+            <a:ext cx="6088256" cy="5247136"/>
+          </a:xfrm>
+          <a:prstGeom prst="rect">
+            <a:avLst/>
+          </a:prstGeom>
+        </p:spPr>
+      </p:pic>
+      <p:pic>
+        <p:nvPicPr>
+          <p:cNvPr id="25" name="Picture 24" descr="A picture containing background pattern&#10;&#10;Description automatically generated">
+            <a:extLst>
+              <a:ext uri="{FF2B5EF4-FFF2-40B4-BE49-F238E27FC236}">
+                <a16:creationId xmlns:a16="http://schemas.microsoft.com/office/drawing/2014/main" id="{8705C89B-AABA-41A0-82C3-F51D0A154258}"/>
+              </a:ext>
+            </a:extLst>
+          </p:cNvPr>
+          <p:cNvPicPr>
+            <a:picLocks noChangeAspect="1"/>
+          </p:cNvPicPr>
+          <p:nvPr/>
+        </p:nvPicPr>
+        <p:blipFill>
+          <a:blip r:embed="rId12"/>
+          <a:stretch>
+            <a:fillRect/>
+          </a:stretch>
+        </p:blipFill>
+        <p:spPr>
+          <a:xfrm>
+            <a:off x="718579" y="4550908"/>
+            <a:ext cx="10945345" cy="1577310"/>
+          </a:xfrm>
+          <a:prstGeom prst="rect">
+            <a:avLst/>
+          </a:prstGeom>
+        </p:spPr>
+      </p:pic>
+      <p:pic>
+        <p:nvPicPr>
+          <p:cNvPr id="27" name="Picture 26" descr="Graphical user interface, text&#10;&#10;Description automatically generated">
+            <a:extLst>
+              <a:ext uri="{FF2B5EF4-FFF2-40B4-BE49-F238E27FC236}">
+                <a16:creationId xmlns:a16="http://schemas.microsoft.com/office/drawing/2014/main" id="{0B7383F8-B44E-4A47-9F66-D61D6DDB96FB}"/>
+              </a:ext>
+            </a:extLst>
+          </p:cNvPr>
+          <p:cNvPicPr>
+            <a:picLocks noChangeAspect="1"/>
+          </p:cNvPicPr>
+          <p:nvPr/>
+        </p:nvPicPr>
+        <p:blipFill>
+          <a:blip r:embed="rId13"/>
+          <a:stretch>
+            <a:fillRect/>
+          </a:stretch>
+        </p:blipFill>
+        <p:spPr>
+          <a:xfrm>
+            <a:off x="761863" y="4529057"/>
+            <a:ext cx="11011730" cy="2135608"/>
+          </a:xfrm>
+          <a:prstGeom prst="rect">
+            <a:avLst/>
+          </a:prstGeom>
+        </p:spPr>
+      </p:pic>
+      <p:pic>
+        <p:nvPicPr>
+          <p:cNvPr id="31" name="Picture 30" descr="Graphical user interface, application&#10;&#10;Description automatically generated">
+            <a:extLst>
+              <a:ext uri="{FF2B5EF4-FFF2-40B4-BE49-F238E27FC236}">
+                <a16:creationId xmlns:a16="http://schemas.microsoft.com/office/drawing/2014/main" id="{40BCF4E8-7170-48FD-A0C8-4FA5A9A44416}"/>
+              </a:ext>
+            </a:extLst>
+          </p:cNvPr>
+          <p:cNvPicPr>
+            <a:picLocks noChangeAspect="1"/>
+          </p:cNvPicPr>
+          <p:nvPr/>
+        </p:nvPicPr>
+        <p:blipFill>
+          <a:blip r:embed="rId14"/>
+          <a:stretch>
+            <a:fillRect/>
+          </a:stretch>
+        </p:blipFill>
+        <p:spPr>
+          <a:xfrm>
+            <a:off x="7135440" y="436494"/>
+            <a:ext cx="3627551" cy="5857167"/>
+          </a:xfrm>
+          <a:prstGeom prst="rect">
+            <a:avLst/>
+          </a:prstGeom>
+        </p:spPr>
+      </p:pic>
+      <p:pic>
+        <p:nvPicPr>
+          <p:cNvPr id="33" name="Picture 32" descr="Graphical user interface, text, application&#10;&#10;Description automatically generated">
+            <a:extLst>
+              <a:ext uri="{FF2B5EF4-FFF2-40B4-BE49-F238E27FC236}">
+                <a16:creationId xmlns:a16="http://schemas.microsoft.com/office/drawing/2014/main" id="{63500948-6B3E-41EE-8250-EEC75E1338EC}"/>
+              </a:ext>
+            </a:extLst>
+          </p:cNvPr>
+          <p:cNvPicPr>
+            <a:picLocks noChangeAspect="1"/>
+          </p:cNvPicPr>
+          <p:nvPr/>
+        </p:nvPicPr>
+        <p:blipFill>
+          <a:blip r:embed="rId15"/>
+          <a:stretch>
+            <a:fillRect/>
+          </a:stretch>
+        </p:blipFill>
+        <p:spPr>
+          <a:xfrm>
+            <a:off x="761863" y="4605543"/>
+            <a:ext cx="11011730" cy="2041858"/>
+          </a:xfrm>
+          <a:prstGeom prst="rect">
+            <a:avLst/>
+          </a:prstGeom>
+        </p:spPr>
+      </p:pic>
+      <p:pic>
+        <p:nvPicPr>
+          <p:cNvPr id="35" name="Picture 34" descr="Graphical user interface, text, application, email&#10;&#10;Description automatically generated">
+            <a:extLst>
+              <a:ext uri="{FF2B5EF4-FFF2-40B4-BE49-F238E27FC236}">
+                <a16:creationId xmlns:a16="http://schemas.microsoft.com/office/drawing/2014/main" id="{1CF8F5C6-FE73-4F36-8254-E2C2FDCD5978}"/>
+              </a:ext>
+            </a:extLst>
+          </p:cNvPr>
+          <p:cNvPicPr>
+            <a:picLocks noChangeAspect="1"/>
+          </p:cNvPicPr>
+          <p:nvPr/>
+        </p:nvPicPr>
+        <p:blipFill>
+          <a:blip r:embed="rId16"/>
+          <a:stretch>
+            <a:fillRect/>
+          </a:stretch>
+        </p:blipFill>
+        <p:spPr>
+          <a:xfrm>
+            <a:off x="4757947" y="2436255"/>
+            <a:ext cx="6910882" cy="4140933"/>
+          </a:xfrm>
+          <a:prstGeom prst="rect">
+            <a:avLst/>
+          </a:prstGeom>
+        </p:spPr>
+      </p:pic>
     </p:spTree>
     <p:extLst>
       <p:ext uri="{BB962C8B-B14F-4D97-AF65-F5344CB8AC3E}">
@@ -6924,6 +7374,1346 @@
   <p:clrMapOvr>
     <a:overrideClrMapping bg1="dk1" tx1="lt1" bg2="dk2" tx2="lt2" accent1="accent1" accent2="accent2" accent3="accent3" accent4="accent4" accent5="accent5" accent6="accent6" hlink="hlink" folHlink="folHlink"/>
   </p:clrMapOvr>
+  <mc:AlternateContent xmlns:mc="http://schemas.openxmlformats.org/markup-compatibility/2006">
+    <mc:Choice xmlns:p14="http://schemas.microsoft.com/office/powerpoint/2010/main" Requires="p14">
+      <p:transition p14:dur="10"/>
+    </mc:Choice>
+    <mc:Fallback>
+      <p:transition/>
+    </mc:Fallback>
+  </mc:AlternateContent>
+  <p:timing>
+    <p:tnLst>
+      <p:par>
+        <p:cTn id="1" dur="indefinite" restart="never" nodeType="tmRoot">
+          <p:childTnLst>
+            <p:seq concurrent="1" nextAc="seek">
+              <p:cTn id="2" dur="indefinite" nodeType="mainSeq">
+                <p:childTnLst>
+                  <p:par>
+                    <p:cTn id="3" fill="hold">
+                      <p:stCondLst>
+                        <p:cond delay="indefinite"/>
+                      </p:stCondLst>
+                      <p:childTnLst>
+                        <p:par>
+                          <p:cTn id="4" fill="hold">
+                            <p:stCondLst>
+                              <p:cond delay="0"/>
+                            </p:stCondLst>
+                            <p:childTnLst>
+                              <p:par>
+                                <p:cTn id="5" presetID="10" presetClass="entr" presetSubtype="0" fill="hold" nodeType="clickEffect">
+                                  <p:stCondLst>
+                                    <p:cond delay="0"/>
+                                  </p:stCondLst>
+                                  <p:childTnLst>
+                                    <p:set>
+                                      <p:cBhvr>
+                                        <p:cTn id="6" dur="1" fill="hold">
+                                          <p:stCondLst>
+                                            <p:cond delay="0"/>
+                                          </p:stCondLst>
+                                        </p:cTn>
+                                        <p:tgtEl>
+                                          <p:spTgt spid="4"/>
+                                        </p:tgtEl>
+                                        <p:attrNameLst>
+                                          <p:attrName>style.visibility</p:attrName>
+                                        </p:attrNameLst>
+                                      </p:cBhvr>
+                                      <p:to>
+                                        <p:strVal val="visible"/>
+                                      </p:to>
+                                    </p:set>
+                                    <p:animEffect transition="in" filter="fade">
+                                      <p:cBhvr>
+                                        <p:cTn id="7" dur="500"/>
+                                        <p:tgtEl>
+                                          <p:spTgt spid="4"/>
+                                        </p:tgtEl>
+                                      </p:cBhvr>
+                                    </p:animEffect>
+                                  </p:childTnLst>
+                                </p:cTn>
+                              </p:par>
+                              <p:par>
+                                <p:cTn id="8" presetID="1" presetClass="entr" presetSubtype="0" fill="hold" nodeType="withEffect">
+                                  <p:stCondLst>
+                                    <p:cond delay="0"/>
+                                  </p:stCondLst>
+                                  <p:childTnLst>
+                                    <p:set>
+                                      <p:cBhvr>
+                                        <p:cTn id="9" dur="1" fill="hold">
+                                          <p:stCondLst>
+                                            <p:cond delay="0"/>
+                                          </p:stCondLst>
+                                        </p:cTn>
+                                        <p:tgtEl>
+                                          <p:spTgt spid="20">
+                                            <p:txEl>
+                                              <p:pRg st="0" end="0"/>
+                                            </p:txEl>
+                                          </p:spTgt>
+                                        </p:tgtEl>
+                                        <p:attrNameLst>
+                                          <p:attrName>style.visibility</p:attrName>
+                                        </p:attrNameLst>
+                                      </p:cBhvr>
+                                      <p:to>
+                                        <p:strVal val="visible"/>
+                                      </p:to>
+                                    </p:set>
+                                  </p:childTnLst>
+                                </p:cTn>
+                              </p:par>
+                            </p:childTnLst>
+                          </p:cTn>
+                        </p:par>
+                      </p:childTnLst>
+                    </p:cTn>
+                  </p:par>
+                  <p:par>
+                    <p:cTn id="10" fill="hold">
+                      <p:stCondLst>
+                        <p:cond delay="indefinite"/>
+                      </p:stCondLst>
+                      <p:childTnLst>
+                        <p:par>
+                          <p:cTn id="11" fill="hold">
+                            <p:stCondLst>
+                              <p:cond delay="0"/>
+                            </p:stCondLst>
+                            <p:childTnLst>
+                              <p:par>
+                                <p:cTn id="12" presetID="10" presetClass="entr" presetSubtype="0" fill="hold" nodeType="clickEffect">
+                                  <p:stCondLst>
+                                    <p:cond delay="0"/>
+                                  </p:stCondLst>
+                                  <p:childTnLst>
+                                    <p:set>
+                                      <p:cBhvr>
+                                        <p:cTn id="13" dur="1" fill="hold">
+                                          <p:stCondLst>
+                                            <p:cond delay="0"/>
+                                          </p:stCondLst>
+                                        </p:cTn>
+                                        <p:tgtEl>
+                                          <p:spTgt spid="8"/>
+                                        </p:tgtEl>
+                                        <p:attrNameLst>
+                                          <p:attrName>style.visibility</p:attrName>
+                                        </p:attrNameLst>
+                                      </p:cBhvr>
+                                      <p:to>
+                                        <p:strVal val="visible"/>
+                                      </p:to>
+                                    </p:set>
+                                    <p:animEffect transition="in" filter="fade">
+                                      <p:cBhvr>
+                                        <p:cTn id="14" dur="500"/>
+                                        <p:tgtEl>
+                                          <p:spTgt spid="8"/>
+                                        </p:tgtEl>
+                                      </p:cBhvr>
+                                    </p:animEffect>
+                                  </p:childTnLst>
+                                </p:cTn>
+                              </p:par>
+                              <p:par>
+                                <p:cTn id="15" presetID="10" presetClass="entr" presetSubtype="0" fill="hold" nodeType="withEffect">
+                                  <p:stCondLst>
+                                    <p:cond delay="0"/>
+                                  </p:stCondLst>
+                                  <p:childTnLst>
+                                    <p:set>
+                                      <p:cBhvr>
+                                        <p:cTn id="16" dur="1" fill="hold">
+                                          <p:stCondLst>
+                                            <p:cond delay="0"/>
+                                          </p:stCondLst>
+                                        </p:cTn>
+                                        <p:tgtEl>
+                                          <p:spTgt spid="6"/>
+                                        </p:tgtEl>
+                                        <p:attrNameLst>
+                                          <p:attrName>style.visibility</p:attrName>
+                                        </p:attrNameLst>
+                                      </p:cBhvr>
+                                      <p:to>
+                                        <p:strVal val="visible"/>
+                                      </p:to>
+                                    </p:set>
+                                    <p:animEffect transition="in" filter="fade">
+                                      <p:cBhvr>
+                                        <p:cTn id="17" dur="500"/>
+                                        <p:tgtEl>
+                                          <p:spTgt spid="6"/>
+                                        </p:tgtEl>
+                                      </p:cBhvr>
+                                    </p:animEffect>
+                                  </p:childTnLst>
+                                </p:cTn>
+                              </p:par>
+                              <p:par>
+                                <p:cTn id="18" presetID="1" presetClass="entr" presetSubtype="0" fill="hold" nodeType="withEffect">
+                                  <p:stCondLst>
+                                    <p:cond delay="0"/>
+                                  </p:stCondLst>
+                                  <p:childTnLst>
+                                    <p:set>
+                                      <p:cBhvr>
+                                        <p:cTn id="19" dur="1" fill="hold">
+                                          <p:stCondLst>
+                                            <p:cond delay="0"/>
+                                          </p:stCondLst>
+                                        </p:cTn>
+                                        <p:tgtEl>
+                                          <p:spTgt spid="20">
+                                            <p:txEl>
+                                              <p:pRg st="1" end="1"/>
+                                            </p:txEl>
+                                          </p:spTgt>
+                                        </p:tgtEl>
+                                        <p:attrNameLst>
+                                          <p:attrName>style.visibility</p:attrName>
+                                        </p:attrNameLst>
+                                      </p:cBhvr>
+                                      <p:to>
+                                        <p:strVal val="visible"/>
+                                      </p:to>
+                                    </p:set>
+                                  </p:childTnLst>
+                                </p:cTn>
+                              </p:par>
+                              <p:par>
+                                <p:cTn id="20" presetID="1" presetClass="exit" presetSubtype="0" fill="hold" nodeType="withEffect">
+                                  <p:stCondLst>
+                                    <p:cond delay="0"/>
+                                  </p:stCondLst>
+                                  <p:childTnLst>
+                                    <p:set>
+                                      <p:cBhvr>
+                                        <p:cTn id="21" dur="1" fill="hold">
+                                          <p:stCondLst>
+                                            <p:cond delay="0"/>
+                                          </p:stCondLst>
+                                        </p:cTn>
+                                        <p:tgtEl>
+                                          <p:spTgt spid="4"/>
+                                        </p:tgtEl>
+                                        <p:attrNameLst>
+                                          <p:attrName>style.visibility</p:attrName>
+                                        </p:attrNameLst>
+                                      </p:cBhvr>
+                                      <p:to>
+                                        <p:strVal val="hidden"/>
+                                      </p:to>
+                                    </p:set>
+                                  </p:childTnLst>
+                                </p:cTn>
+                              </p:par>
+                            </p:childTnLst>
+                          </p:cTn>
+                        </p:par>
+                      </p:childTnLst>
+                    </p:cTn>
+                  </p:par>
+                  <p:par>
+                    <p:cTn id="22" fill="hold">
+                      <p:stCondLst>
+                        <p:cond delay="indefinite"/>
+                      </p:stCondLst>
+                      <p:childTnLst>
+                        <p:par>
+                          <p:cTn id="23" fill="hold">
+                            <p:stCondLst>
+                              <p:cond delay="0"/>
+                            </p:stCondLst>
+                            <p:childTnLst>
+                              <p:par>
+                                <p:cTn id="24" presetID="10" presetClass="entr" presetSubtype="0" fill="hold" nodeType="clickEffect">
+                                  <p:stCondLst>
+                                    <p:cond delay="0"/>
+                                  </p:stCondLst>
+                                  <p:childTnLst>
+                                    <p:set>
+                                      <p:cBhvr>
+                                        <p:cTn id="25" dur="1" fill="hold">
+                                          <p:stCondLst>
+                                            <p:cond delay="0"/>
+                                          </p:stCondLst>
+                                        </p:cTn>
+                                        <p:tgtEl>
+                                          <p:spTgt spid="10"/>
+                                        </p:tgtEl>
+                                        <p:attrNameLst>
+                                          <p:attrName>style.visibility</p:attrName>
+                                        </p:attrNameLst>
+                                      </p:cBhvr>
+                                      <p:to>
+                                        <p:strVal val="visible"/>
+                                      </p:to>
+                                    </p:set>
+                                    <p:animEffect transition="in" filter="fade">
+                                      <p:cBhvr>
+                                        <p:cTn id="26" dur="500"/>
+                                        <p:tgtEl>
+                                          <p:spTgt spid="10"/>
+                                        </p:tgtEl>
+                                      </p:cBhvr>
+                                    </p:animEffect>
+                                  </p:childTnLst>
+                                </p:cTn>
+                              </p:par>
+                              <p:par>
+                                <p:cTn id="27" presetID="1" presetClass="exit" presetSubtype="0" fill="hold" nodeType="withEffect">
+                                  <p:stCondLst>
+                                    <p:cond delay="0"/>
+                                  </p:stCondLst>
+                                  <p:childTnLst>
+                                    <p:set>
+                                      <p:cBhvr>
+                                        <p:cTn id="28" dur="1" fill="hold">
+                                          <p:stCondLst>
+                                            <p:cond delay="0"/>
+                                          </p:stCondLst>
+                                        </p:cTn>
+                                        <p:tgtEl>
+                                          <p:spTgt spid="6"/>
+                                        </p:tgtEl>
+                                        <p:attrNameLst>
+                                          <p:attrName>style.visibility</p:attrName>
+                                        </p:attrNameLst>
+                                      </p:cBhvr>
+                                      <p:to>
+                                        <p:strVal val="hidden"/>
+                                      </p:to>
+                                    </p:set>
+                                  </p:childTnLst>
+                                </p:cTn>
+                              </p:par>
+                              <p:par>
+                                <p:cTn id="29" presetID="1" presetClass="exit" presetSubtype="0" fill="hold" nodeType="withEffect">
+                                  <p:stCondLst>
+                                    <p:cond delay="0"/>
+                                  </p:stCondLst>
+                                  <p:childTnLst>
+                                    <p:set>
+                                      <p:cBhvr>
+                                        <p:cTn id="30" dur="1" fill="hold">
+                                          <p:stCondLst>
+                                            <p:cond delay="0"/>
+                                          </p:stCondLst>
+                                        </p:cTn>
+                                        <p:tgtEl>
+                                          <p:spTgt spid="8"/>
+                                        </p:tgtEl>
+                                        <p:attrNameLst>
+                                          <p:attrName>style.visibility</p:attrName>
+                                        </p:attrNameLst>
+                                      </p:cBhvr>
+                                      <p:to>
+                                        <p:strVal val="hidden"/>
+                                      </p:to>
+                                    </p:set>
+                                  </p:childTnLst>
+                                </p:cTn>
+                              </p:par>
+                              <p:par>
+                                <p:cTn id="31" presetID="1" presetClass="entr" presetSubtype="0" fill="hold" nodeType="withEffect">
+                                  <p:stCondLst>
+                                    <p:cond delay="0"/>
+                                  </p:stCondLst>
+                                  <p:childTnLst>
+                                    <p:set>
+                                      <p:cBhvr>
+                                        <p:cTn id="32" dur="1" fill="hold">
+                                          <p:stCondLst>
+                                            <p:cond delay="0"/>
+                                          </p:stCondLst>
+                                        </p:cTn>
+                                        <p:tgtEl>
+                                          <p:spTgt spid="20">
+                                            <p:txEl>
+                                              <p:pRg st="2" end="2"/>
+                                            </p:txEl>
+                                          </p:spTgt>
+                                        </p:tgtEl>
+                                        <p:attrNameLst>
+                                          <p:attrName>style.visibility</p:attrName>
+                                        </p:attrNameLst>
+                                      </p:cBhvr>
+                                      <p:to>
+                                        <p:strVal val="visible"/>
+                                      </p:to>
+                                    </p:set>
+                                  </p:childTnLst>
+                                </p:cTn>
+                              </p:par>
+                            </p:childTnLst>
+                          </p:cTn>
+                        </p:par>
+                      </p:childTnLst>
+                    </p:cTn>
+                  </p:par>
+                  <p:par>
+                    <p:cTn id="33" fill="hold">
+                      <p:stCondLst>
+                        <p:cond delay="indefinite"/>
+                      </p:stCondLst>
+                      <p:childTnLst>
+                        <p:par>
+                          <p:cTn id="34" fill="hold">
+                            <p:stCondLst>
+                              <p:cond delay="0"/>
+                            </p:stCondLst>
+                            <p:childTnLst>
+                              <p:par>
+                                <p:cTn id="35" presetID="10" presetClass="entr" presetSubtype="0" fill="hold" nodeType="clickEffect">
+                                  <p:stCondLst>
+                                    <p:cond delay="0"/>
+                                  </p:stCondLst>
+                                  <p:childTnLst>
+                                    <p:set>
+                                      <p:cBhvr>
+                                        <p:cTn id="36" dur="1" fill="hold">
+                                          <p:stCondLst>
+                                            <p:cond delay="0"/>
+                                          </p:stCondLst>
+                                        </p:cTn>
+                                        <p:tgtEl>
+                                          <p:spTgt spid="12"/>
+                                        </p:tgtEl>
+                                        <p:attrNameLst>
+                                          <p:attrName>style.visibility</p:attrName>
+                                        </p:attrNameLst>
+                                      </p:cBhvr>
+                                      <p:to>
+                                        <p:strVal val="visible"/>
+                                      </p:to>
+                                    </p:set>
+                                    <p:animEffect transition="in" filter="fade">
+                                      <p:cBhvr>
+                                        <p:cTn id="37" dur="500"/>
+                                        <p:tgtEl>
+                                          <p:spTgt spid="12"/>
+                                        </p:tgtEl>
+                                      </p:cBhvr>
+                                    </p:animEffect>
+                                  </p:childTnLst>
+                                </p:cTn>
+                              </p:par>
+                              <p:par>
+                                <p:cTn id="38" presetID="1" presetClass="exit" presetSubtype="0" fill="hold" nodeType="withEffect">
+                                  <p:stCondLst>
+                                    <p:cond delay="0"/>
+                                  </p:stCondLst>
+                                  <p:childTnLst>
+                                    <p:set>
+                                      <p:cBhvr>
+                                        <p:cTn id="39" dur="1" fill="hold">
+                                          <p:stCondLst>
+                                            <p:cond delay="0"/>
+                                          </p:stCondLst>
+                                        </p:cTn>
+                                        <p:tgtEl>
+                                          <p:spTgt spid="10"/>
+                                        </p:tgtEl>
+                                        <p:attrNameLst>
+                                          <p:attrName>style.visibility</p:attrName>
+                                        </p:attrNameLst>
+                                      </p:cBhvr>
+                                      <p:to>
+                                        <p:strVal val="hidden"/>
+                                      </p:to>
+                                    </p:set>
+                                  </p:childTnLst>
+                                </p:cTn>
+                              </p:par>
+                            </p:childTnLst>
+                          </p:cTn>
+                        </p:par>
+                      </p:childTnLst>
+                    </p:cTn>
+                  </p:par>
+                  <p:par>
+                    <p:cTn id="40" fill="hold">
+                      <p:stCondLst>
+                        <p:cond delay="indefinite"/>
+                      </p:stCondLst>
+                      <p:childTnLst>
+                        <p:par>
+                          <p:cTn id="41" fill="hold">
+                            <p:stCondLst>
+                              <p:cond delay="0"/>
+                            </p:stCondLst>
+                            <p:childTnLst>
+                              <p:par>
+                                <p:cTn id="42" presetID="10" presetClass="entr" presetSubtype="0" fill="hold" nodeType="clickEffect">
+                                  <p:stCondLst>
+                                    <p:cond delay="0"/>
+                                  </p:stCondLst>
+                                  <p:childTnLst>
+                                    <p:set>
+                                      <p:cBhvr>
+                                        <p:cTn id="43" dur="1" fill="hold">
+                                          <p:stCondLst>
+                                            <p:cond delay="0"/>
+                                          </p:stCondLst>
+                                        </p:cTn>
+                                        <p:tgtEl>
+                                          <p:spTgt spid="14"/>
+                                        </p:tgtEl>
+                                        <p:attrNameLst>
+                                          <p:attrName>style.visibility</p:attrName>
+                                        </p:attrNameLst>
+                                      </p:cBhvr>
+                                      <p:to>
+                                        <p:strVal val="visible"/>
+                                      </p:to>
+                                    </p:set>
+                                    <p:animEffect transition="in" filter="fade">
+                                      <p:cBhvr>
+                                        <p:cTn id="44" dur="500"/>
+                                        <p:tgtEl>
+                                          <p:spTgt spid="14"/>
+                                        </p:tgtEl>
+                                      </p:cBhvr>
+                                    </p:animEffect>
+                                  </p:childTnLst>
+                                </p:cTn>
+                              </p:par>
+                              <p:par>
+                                <p:cTn id="45" presetID="1" presetClass="entr" presetSubtype="0" fill="hold" nodeType="withEffect">
+                                  <p:stCondLst>
+                                    <p:cond delay="0"/>
+                                  </p:stCondLst>
+                                  <p:childTnLst>
+                                    <p:set>
+                                      <p:cBhvr>
+                                        <p:cTn id="46" dur="1" fill="hold">
+                                          <p:stCondLst>
+                                            <p:cond delay="0"/>
+                                          </p:stCondLst>
+                                        </p:cTn>
+                                        <p:tgtEl>
+                                          <p:spTgt spid="20">
+                                            <p:txEl>
+                                              <p:pRg st="3" end="3"/>
+                                            </p:txEl>
+                                          </p:spTgt>
+                                        </p:tgtEl>
+                                        <p:attrNameLst>
+                                          <p:attrName>style.visibility</p:attrName>
+                                        </p:attrNameLst>
+                                      </p:cBhvr>
+                                      <p:to>
+                                        <p:strVal val="visible"/>
+                                      </p:to>
+                                    </p:set>
+                                  </p:childTnLst>
+                                </p:cTn>
+                              </p:par>
+                              <p:par>
+                                <p:cTn id="47" presetID="1" presetClass="exit" presetSubtype="0" fill="hold" nodeType="withEffect">
+                                  <p:stCondLst>
+                                    <p:cond delay="0"/>
+                                  </p:stCondLst>
+                                  <p:childTnLst>
+                                    <p:set>
+                                      <p:cBhvr>
+                                        <p:cTn id="48" dur="1" fill="hold">
+                                          <p:stCondLst>
+                                            <p:cond delay="0"/>
+                                          </p:stCondLst>
+                                        </p:cTn>
+                                        <p:tgtEl>
+                                          <p:spTgt spid="12"/>
+                                        </p:tgtEl>
+                                        <p:attrNameLst>
+                                          <p:attrName>style.visibility</p:attrName>
+                                        </p:attrNameLst>
+                                      </p:cBhvr>
+                                      <p:to>
+                                        <p:strVal val="hidden"/>
+                                      </p:to>
+                                    </p:set>
+                                  </p:childTnLst>
+                                </p:cTn>
+                              </p:par>
+                            </p:childTnLst>
+                          </p:cTn>
+                        </p:par>
+                      </p:childTnLst>
+                    </p:cTn>
+                  </p:par>
+                  <p:par>
+                    <p:cTn id="49" fill="hold">
+                      <p:stCondLst>
+                        <p:cond delay="indefinite"/>
+                      </p:stCondLst>
+                      <p:childTnLst>
+                        <p:par>
+                          <p:cTn id="50" fill="hold">
+                            <p:stCondLst>
+                              <p:cond delay="0"/>
+                            </p:stCondLst>
+                            <p:childTnLst>
+                              <p:par>
+                                <p:cTn id="51" presetID="10" presetClass="entr" presetSubtype="0" fill="hold" nodeType="clickEffect">
+                                  <p:stCondLst>
+                                    <p:cond delay="0"/>
+                                  </p:stCondLst>
+                                  <p:childTnLst>
+                                    <p:set>
+                                      <p:cBhvr>
+                                        <p:cTn id="52" dur="1" fill="hold">
+                                          <p:stCondLst>
+                                            <p:cond delay="0"/>
+                                          </p:stCondLst>
+                                        </p:cTn>
+                                        <p:tgtEl>
+                                          <p:spTgt spid="16"/>
+                                        </p:tgtEl>
+                                        <p:attrNameLst>
+                                          <p:attrName>style.visibility</p:attrName>
+                                        </p:attrNameLst>
+                                      </p:cBhvr>
+                                      <p:to>
+                                        <p:strVal val="visible"/>
+                                      </p:to>
+                                    </p:set>
+                                    <p:animEffect transition="in" filter="fade">
+                                      <p:cBhvr>
+                                        <p:cTn id="53" dur="500"/>
+                                        <p:tgtEl>
+                                          <p:spTgt spid="16"/>
+                                        </p:tgtEl>
+                                      </p:cBhvr>
+                                    </p:animEffect>
+                                  </p:childTnLst>
+                                </p:cTn>
+                              </p:par>
+                              <p:par>
+                                <p:cTn id="54" presetID="1" presetClass="exit" presetSubtype="0" fill="hold" nodeType="withEffect">
+                                  <p:stCondLst>
+                                    <p:cond delay="0"/>
+                                  </p:stCondLst>
+                                  <p:childTnLst>
+                                    <p:set>
+                                      <p:cBhvr>
+                                        <p:cTn id="55" dur="1" fill="hold">
+                                          <p:stCondLst>
+                                            <p:cond delay="0"/>
+                                          </p:stCondLst>
+                                        </p:cTn>
+                                        <p:tgtEl>
+                                          <p:spTgt spid="14"/>
+                                        </p:tgtEl>
+                                        <p:attrNameLst>
+                                          <p:attrName>style.visibility</p:attrName>
+                                        </p:attrNameLst>
+                                      </p:cBhvr>
+                                      <p:to>
+                                        <p:strVal val="hidden"/>
+                                      </p:to>
+                                    </p:set>
+                                  </p:childTnLst>
+                                </p:cTn>
+                              </p:par>
+                            </p:childTnLst>
+                          </p:cTn>
+                        </p:par>
+                      </p:childTnLst>
+                    </p:cTn>
+                  </p:par>
+                  <p:par>
+                    <p:cTn id="56" fill="hold">
+                      <p:stCondLst>
+                        <p:cond delay="indefinite"/>
+                      </p:stCondLst>
+                      <p:childTnLst>
+                        <p:par>
+                          <p:cTn id="57" fill="hold">
+                            <p:stCondLst>
+                              <p:cond delay="0"/>
+                            </p:stCondLst>
+                            <p:childTnLst>
+                              <p:par>
+                                <p:cTn id="58" presetID="10" presetClass="entr" presetSubtype="0" fill="hold" nodeType="clickEffect">
+                                  <p:stCondLst>
+                                    <p:cond delay="0"/>
+                                  </p:stCondLst>
+                                  <p:childTnLst>
+                                    <p:set>
+                                      <p:cBhvr>
+                                        <p:cTn id="59" dur="1" fill="hold">
+                                          <p:stCondLst>
+                                            <p:cond delay="0"/>
+                                          </p:stCondLst>
+                                        </p:cTn>
+                                        <p:tgtEl>
+                                          <p:spTgt spid="18"/>
+                                        </p:tgtEl>
+                                        <p:attrNameLst>
+                                          <p:attrName>style.visibility</p:attrName>
+                                        </p:attrNameLst>
+                                      </p:cBhvr>
+                                      <p:to>
+                                        <p:strVal val="visible"/>
+                                      </p:to>
+                                    </p:set>
+                                    <p:animEffect transition="in" filter="fade">
+                                      <p:cBhvr>
+                                        <p:cTn id="60" dur="500"/>
+                                        <p:tgtEl>
+                                          <p:spTgt spid="18"/>
+                                        </p:tgtEl>
+                                      </p:cBhvr>
+                                    </p:animEffect>
+                                  </p:childTnLst>
+                                </p:cTn>
+                              </p:par>
+                              <p:par>
+                                <p:cTn id="61" presetID="1" presetClass="exit" presetSubtype="0" fill="hold" nodeType="withEffect">
+                                  <p:stCondLst>
+                                    <p:cond delay="0"/>
+                                  </p:stCondLst>
+                                  <p:childTnLst>
+                                    <p:set>
+                                      <p:cBhvr>
+                                        <p:cTn id="62" dur="1" fill="hold">
+                                          <p:stCondLst>
+                                            <p:cond delay="0"/>
+                                          </p:stCondLst>
+                                        </p:cTn>
+                                        <p:tgtEl>
+                                          <p:spTgt spid="16"/>
+                                        </p:tgtEl>
+                                        <p:attrNameLst>
+                                          <p:attrName>style.visibility</p:attrName>
+                                        </p:attrNameLst>
+                                      </p:cBhvr>
+                                      <p:to>
+                                        <p:strVal val="hidden"/>
+                                      </p:to>
+                                    </p:set>
+                                  </p:childTnLst>
+                                </p:cTn>
+                              </p:par>
+                            </p:childTnLst>
+                          </p:cTn>
+                        </p:par>
+                      </p:childTnLst>
+                    </p:cTn>
+                  </p:par>
+                  <p:par>
+                    <p:cTn id="63" fill="hold">
+                      <p:stCondLst>
+                        <p:cond delay="indefinite"/>
+                      </p:stCondLst>
+                      <p:childTnLst>
+                        <p:par>
+                          <p:cTn id="64" fill="hold">
+                            <p:stCondLst>
+                              <p:cond delay="0"/>
+                            </p:stCondLst>
+                            <p:childTnLst>
+                              <p:par>
+                                <p:cTn id="65" presetID="1" presetClass="entr" presetSubtype="0" fill="hold" nodeType="clickEffect">
+                                  <p:stCondLst>
+                                    <p:cond delay="0"/>
+                                  </p:stCondLst>
+                                  <p:childTnLst>
+                                    <p:set>
+                                      <p:cBhvr>
+                                        <p:cTn id="66" dur="1" fill="hold">
+                                          <p:stCondLst>
+                                            <p:cond delay="0"/>
+                                          </p:stCondLst>
+                                        </p:cTn>
+                                        <p:tgtEl>
+                                          <p:spTgt spid="20">
+                                            <p:txEl>
+                                              <p:pRg st="4" end="4"/>
+                                            </p:txEl>
+                                          </p:spTgt>
+                                        </p:tgtEl>
+                                        <p:attrNameLst>
+                                          <p:attrName>style.visibility</p:attrName>
+                                        </p:attrNameLst>
+                                      </p:cBhvr>
+                                      <p:to>
+                                        <p:strVal val="visible"/>
+                                      </p:to>
+                                    </p:set>
+                                  </p:childTnLst>
+                                </p:cTn>
+                              </p:par>
+                              <p:par>
+                                <p:cTn id="67" presetID="10" presetClass="entr" presetSubtype="0" fill="hold" nodeType="withEffect">
+                                  <p:stCondLst>
+                                    <p:cond delay="0"/>
+                                  </p:stCondLst>
+                                  <p:childTnLst>
+                                    <p:set>
+                                      <p:cBhvr>
+                                        <p:cTn id="68" dur="1" fill="hold">
+                                          <p:stCondLst>
+                                            <p:cond delay="0"/>
+                                          </p:stCondLst>
+                                        </p:cTn>
+                                        <p:tgtEl>
+                                          <p:spTgt spid="21"/>
+                                        </p:tgtEl>
+                                        <p:attrNameLst>
+                                          <p:attrName>style.visibility</p:attrName>
+                                        </p:attrNameLst>
+                                      </p:cBhvr>
+                                      <p:to>
+                                        <p:strVal val="visible"/>
+                                      </p:to>
+                                    </p:set>
+                                    <p:animEffect transition="in" filter="fade">
+                                      <p:cBhvr>
+                                        <p:cTn id="69" dur="500"/>
+                                        <p:tgtEl>
+                                          <p:spTgt spid="21"/>
+                                        </p:tgtEl>
+                                      </p:cBhvr>
+                                    </p:animEffect>
+                                  </p:childTnLst>
+                                </p:cTn>
+                              </p:par>
+                              <p:par>
+                                <p:cTn id="70" presetID="1" presetClass="exit" presetSubtype="0" fill="hold" nodeType="withEffect">
+                                  <p:stCondLst>
+                                    <p:cond delay="0"/>
+                                  </p:stCondLst>
+                                  <p:childTnLst>
+                                    <p:set>
+                                      <p:cBhvr>
+                                        <p:cTn id="71" dur="1" fill="hold">
+                                          <p:stCondLst>
+                                            <p:cond delay="0"/>
+                                          </p:stCondLst>
+                                        </p:cTn>
+                                        <p:tgtEl>
+                                          <p:spTgt spid="18"/>
+                                        </p:tgtEl>
+                                        <p:attrNameLst>
+                                          <p:attrName>style.visibility</p:attrName>
+                                        </p:attrNameLst>
+                                      </p:cBhvr>
+                                      <p:to>
+                                        <p:strVal val="hidden"/>
+                                      </p:to>
+                                    </p:set>
+                                  </p:childTnLst>
+                                </p:cTn>
+                              </p:par>
+                            </p:childTnLst>
+                          </p:cTn>
+                        </p:par>
+                      </p:childTnLst>
+                    </p:cTn>
+                  </p:par>
+                  <p:par>
+                    <p:cTn id="72" fill="hold">
+                      <p:stCondLst>
+                        <p:cond delay="indefinite"/>
+                      </p:stCondLst>
+                      <p:childTnLst>
+                        <p:par>
+                          <p:cTn id="73" fill="hold">
+                            <p:stCondLst>
+                              <p:cond delay="0"/>
+                            </p:stCondLst>
+                            <p:childTnLst>
+                              <p:par>
+                                <p:cTn id="74" presetID="10" presetClass="entr" presetSubtype="0" fill="hold" nodeType="clickEffect">
+                                  <p:stCondLst>
+                                    <p:cond delay="0"/>
+                                  </p:stCondLst>
+                                  <p:childTnLst>
+                                    <p:set>
+                                      <p:cBhvr>
+                                        <p:cTn id="75" dur="1" fill="hold">
+                                          <p:stCondLst>
+                                            <p:cond delay="0"/>
+                                          </p:stCondLst>
+                                        </p:cTn>
+                                        <p:tgtEl>
+                                          <p:spTgt spid="23"/>
+                                        </p:tgtEl>
+                                        <p:attrNameLst>
+                                          <p:attrName>style.visibility</p:attrName>
+                                        </p:attrNameLst>
+                                      </p:cBhvr>
+                                      <p:to>
+                                        <p:strVal val="visible"/>
+                                      </p:to>
+                                    </p:set>
+                                    <p:animEffect transition="in" filter="fade">
+                                      <p:cBhvr>
+                                        <p:cTn id="76" dur="500"/>
+                                        <p:tgtEl>
+                                          <p:spTgt spid="23"/>
+                                        </p:tgtEl>
+                                      </p:cBhvr>
+                                    </p:animEffect>
+                                  </p:childTnLst>
+                                </p:cTn>
+                              </p:par>
+                              <p:par>
+                                <p:cTn id="77" presetID="1" presetClass="exit" presetSubtype="0" fill="hold" nodeType="withEffect">
+                                  <p:stCondLst>
+                                    <p:cond delay="0"/>
+                                  </p:stCondLst>
+                                  <p:childTnLst>
+                                    <p:set>
+                                      <p:cBhvr>
+                                        <p:cTn id="78" dur="1" fill="hold">
+                                          <p:stCondLst>
+                                            <p:cond delay="0"/>
+                                          </p:stCondLst>
+                                        </p:cTn>
+                                        <p:tgtEl>
+                                          <p:spTgt spid="21"/>
+                                        </p:tgtEl>
+                                        <p:attrNameLst>
+                                          <p:attrName>style.visibility</p:attrName>
+                                        </p:attrNameLst>
+                                      </p:cBhvr>
+                                      <p:to>
+                                        <p:strVal val="hidden"/>
+                                      </p:to>
+                                    </p:set>
+                                  </p:childTnLst>
+                                </p:cTn>
+                              </p:par>
+                            </p:childTnLst>
+                          </p:cTn>
+                        </p:par>
+                      </p:childTnLst>
+                    </p:cTn>
+                  </p:par>
+                  <p:par>
+                    <p:cTn id="79" fill="hold">
+                      <p:stCondLst>
+                        <p:cond delay="indefinite"/>
+                      </p:stCondLst>
+                      <p:childTnLst>
+                        <p:par>
+                          <p:cTn id="80" fill="hold">
+                            <p:stCondLst>
+                              <p:cond delay="0"/>
+                            </p:stCondLst>
+                            <p:childTnLst>
+                              <p:par>
+                                <p:cTn id="81" presetID="10" presetClass="entr" presetSubtype="0" fill="hold" nodeType="clickEffect">
+                                  <p:stCondLst>
+                                    <p:cond delay="0"/>
+                                  </p:stCondLst>
+                                  <p:childTnLst>
+                                    <p:set>
+                                      <p:cBhvr>
+                                        <p:cTn id="82" dur="1" fill="hold">
+                                          <p:stCondLst>
+                                            <p:cond delay="0"/>
+                                          </p:stCondLst>
+                                        </p:cTn>
+                                        <p:tgtEl>
+                                          <p:spTgt spid="25"/>
+                                        </p:tgtEl>
+                                        <p:attrNameLst>
+                                          <p:attrName>style.visibility</p:attrName>
+                                        </p:attrNameLst>
+                                      </p:cBhvr>
+                                      <p:to>
+                                        <p:strVal val="visible"/>
+                                      </p:to>
+                                    </p:set>
+                                    <p:animEffect transition="in" filter="fade">
+                                      <p:cBhvr>
+                                        <p:cTn id="83" dur="500"/>
+                                        <p:tgtEl>
+                                          <p:spTgt spid="25"/>
+                                        </p:tgtEl>
+                                      </p:cBhvr>
+                                    </p:animEffect>
+                                  </p:childTnLst>
+                                </p:cTn>
+                              </p:par>
+                              <p:par>
+                                <p:cTn id="84" presetID="1" presetClass="exit" presetSubtype="0" fill="hold" nodeType="withEffect">
+                                  <p:stCondLst>
+                                    <p:cond delay="0"/>
+                                  </p:stCondLst>
+                                  <p:childTnLst>
+                                    <p:set>
+                                      <p:cBhvr>
+                                        <p:cTn id="85" dur="1" fill="hold">
+                                          <p:stCondLst>
+                                            <p:cond delay="0"/>
+                                          </p:stCondLst>
+                                        </p:cTn>
+                                        <p:tgtEl>
+                                          <p:spTgt spid="23"/>
+                                        </p:tgtEl>
+                                        <p:attrNameLst>
+                                          <p:attrName>style.visibility</p:attrName>
+                                        </p:attrNameLst>
+                                      </p:cBhvr>
+                                      <p:to>
+                                        <p:strVal val="hidden"/>
+                                      </p:to>
+                                    </p:set>
+                                  </p:childTnLst>
+                                </p:cTn>
+                              </p:par>
+                            </p:childTnLst>
+                          </p:cTn>
+                        </p:par>
+                      </p:childTnLst>
+                    </p:cTn>
+                  </p:par>
+                  <p:par>
+                    <p:cTn id="86" fill="hold">
+                      <p:stCondLst>
+                        <p:cond delay="indefinite"/>
+                      </p:stCondLst>
+                      <p:childTnLst>
+                        <p:par>
+                          <p:cTn id="87" fill="hold">
+                            <p:stCondLst>
+                              <p:cond delay="0"/>
+                            </p:stCondLst>
+                            <p:childTnLst>
+                              <p:par>
+                                <p:cTn id="88" presetID="1" presetClass="entr" presetSubtype="0" fill="hold" nodeType="clickEffect">
+                                  <p:stCondLst>
+                                    <p:cond delay="0"/>
+                                  </p:stCondLst>
+                                  <p:childTnLst>
+                                    <p:set>
+                                      <p:cBhvr>
+                                        <p:cTn id="89" dur="1" fill="hold">
+                                          <p:stCondLst>
+                                            <p:cond delay="0"/>
+                                          </p:stCondLst>
+                                        </p:cTn>
+                                        <p:tgtEl>
+                                          <p:spTgt spid="27"/>
+                                        </p:tgtEl>
+                                        <p:attrNameLst>
+                                          <p:attrName>style.visibility</p:attrName>
+                                        </p:attrNameLst>
+                                      </p:cBhvr>
+                                      <p:to>
+                                        <p:strVal val="visible"/>
+                                      </p:to>
+                                    </p:set>
+                                  </p:childTnLst>
+                                </p:cTn>
+                              </p:par>
+                              <p:par>
+                                <p:cTn id="90" presetID="1" presetClass="exit" presetSubtype="0" fill="hold" nodeType="withEffect">
+                                  <p:stCondLst>
+                                    <p:cond delay="0"/>
+                                  </p:stCondLst>
+                                  <p:childTnLst>
+                                    <p:set>
+                                      <p:cBhvr>
+                                        <p:cTn id="91" dur="1" fill="hold">
+                                          <p:stCondLst>
+                                            <p:cond delay="0"/>
+                                          </p:stCondLst>
+                                        </p:cTn>
+                                        <p:tgtEl>
+                                          <p:spTgt spid="25"/>
+                                        </p:tgtEl>
+                                        <p:attrNameLst>
+                                          <p:attrName>style.visibility</p:attrName>
+                                        </p:attrNameLst>
+                                      </p:cBhvr>
+                                      <p:to>
+                                        <p:strVal val="hidden"/>
+                                      </p:to>
+                                    </p:set>
+                                  </p:childTnLst>
+                                </p:cTn>
+                              </p:par>
+                            </p:childTnLst>
+                          </p:cTn>
+                        </p:par>
+                      </p:childTnLst>
+                    </p:cTn>
+                  </p:par>
+                  <p:par>
+                    <p:cTn id="92" fill="hold">
+                      <p:stCondLst>
+                        <p:cond delay="indefinite"/>
+                      </p:stCondLst>
+                      <p:childTnLst>
+                        <p:par>
+                          <p:cTn id="93" fill="hold">
+                            <p:stCondLst>
+                              <p:cond delay="0"/>
+                            </p:stCondLst>
+                            <p:childTnLst>
+                              <p:par>
+                                <p:cTn id="94" presetID="10" presetClass="entr" presetSubtype="0" fill="hold" nodeType="clickEffect">
+                                  <p:stCondLst>
+                                    <p:cond delay="0"/>
+                                  </p:stCondLst>
+                                  <p:childTnLst>
+                                    <p:set>
+                                      <p:cBhvr>
+                                        <p:cTn id="95" dur="1" fill="hold">
+                                          <p:stCondLst>
+                                            <p:cond delay="0"/>
+                                          </p:stCondLst>
+                                        </p:cTn>
+                                        <p:tgtEl>
+                                          <p:spTgt spid="31"/>
+                                        </p:tgtEl>
+                                        <p:attrNameLst>
+                                          <p:attrName>style.visibility</p:attrName>
+                                        </p:attrNameLst>
+                                      </p:cBhvr>
+                                      <p:to>
+                                        <p:strVal val="visible"/>
+                                      </p:to>
+                                    </p:set>
+                                    <p:animEffect transition="in" filter="fade">
+                                      <p:cBhvr>
+                                        <p:cTn id="96" dur="500"/>
+                                        <p:tgtEl>
+                                          <p:spTgt spid="31"/>
+                                        </p:tgtEl>
+                                      </p:cBhvr>
+                                    </p:animEffect>
+                                  </p:childTnLst>
+                                </p:cTn>
+                              </p:par>
+                              <p:par>
+                                <p:cTn id="97" presetID="1" presetClass="exit" presetSubtype="0" fill="hold" nodeType="withEffect">
+                                  <p:stCondLst>
+                                    <p:cond delay="0"/>
+                                  </p:stCondLst>
+                                  <p:childTnLst>
+                                    <p:set>
+                                      <p:cBhvr>
+                                        <p:cTn id="98" dur="1" fill="hold">
+                                          <p:stCondLst>
+                                            <p:cond delay="0"/>
+                                          </p:stCondLst>
+                                        </p:cTn>
+                                        <p:tgtEl>
+                                          <p:spTgt spid="27"/>
+                                        </p:tgtEl>
+                                        <p:attrNameLst>
+                                          <p:attrName>style.visibility</p:attrName>
+                                        </p:attrNameLst>
+                                      </p:cBhvr>
+                                      <p:to>
+                                        <p:strVal val="hidden"/>
+                                      </p:to>
+                                    </p:set>
+                                  </p:childTnLst>
+                                </p:cTn>
+                              </p:par>
+                            </p:childTnLst>
+                          </p:cTn>
+                        </p:par>
+                      </p:childTnLst>
+                    </p:cTn>
+                  </p:par>
+                  <p:par>
+                    <p:cTn id="99" fill="hold">
+                      <p:stCondLst>
+                        <p:cond delay="indefinite"/>
+                      </p:stCondLst>
+                      <p:childTnLst>
+                        <p:par>
+                          <p:cTn id="100" fill="hold">
+                            <p:stCondLst>
+                              <p:cond delay="0"/>
+                            </p:stCondLst>
+                            <p:childTnLst>
+                              <p:par>
+                                <p:cTn id="101" presetID="10" presetClass="entr" presetSubtype="0" fill="hold" nodeType="clickEffect">
+                                  <p:stCondLst>
+                                    <p:cond delay="0"/>
+                                  </p:stCondLst>
+                                  <p:childTnLst>
+                                    <p:set>
+                                      <p:cBhvr>
+                                        <p:cTn id="102" dur="1" fill="hold">
+                                          <p:stCondLst>
+                                            <p:cond delay="0"/>
+                                          </p:stCondLst>
+                                        </p:cTn>
+                                        <p:tgtEl>
+                                          <p:spTgt spid="33"/>
+                                        </p:tgtEl>
+                                        <p:attrNameLst>
+                                          <p:attrName>style.visibility</p:attrName>
+                                        </p:attrNameLst>
+                                      </p:cBhvr>
+                                      <p:to>
+                                        <p:strVal val="visible"/>
+                                      </p:to>
+                                    </p:set>
+                                    <p:animEffect transition="in" filter="fade">
+                                      <p:cBhvr>
+                                        <p:cTn id="103" dur="500"/>
+                                        <p:tgtEl>
+                                          <p:spTgt spid="33"/>
+                                        </p:tgtEl>
+                                      </p:cBhvr>
+                                    </p:animEffect>
+                                  </p:childTnLst>
+                                </p:cTn>
+                              </p:par>
+                              <p:par>
+                                <p:cTn id="104" presetID="1" presetClass="exit" presetSubtype="0" fill="hold" nodeType="withEffect">
+                                  <p:stCondLst>
+                                    <p:cond delay="0"/>
+                                  </p:stCondLst>
+                                  <p:childTnLst>
+                                    <p:set>
+                                      <p:cBhvr>
+                                        <p:cTn id="105" dur="1" fill="hold">
+                                          <p:stCondLst>
+                                            <p:cond delay="0"/>
+                                          </p:stCondLst>
+                                        </p:cTn>
+                                        <p:tgtEl>
+                                          <p:spTgt spid="31"/>
+                                        </p:tgtEl>
+                                        <p:attrNameLst>
+                                          <p:attrName>style.visibility</p:attrName>
+                                        </p:attrNameLst>
+                                      </p:cBhvr>
+                                      <p:to>
+                                        <p:strVal val="hidden"/>
+                                      </p:to>
+                                    </p:set>
+                                  </p:childTnLst>
+                                </p:cTn>
+                              </p:par>
+                            </p:childTnLst>
+                          </p:cTn>
+                        </p:par>
+                      </p:childTnLst>
+                    </p:cTn>
+                  </p:par>
+                  <p:par>
+                    <p:cTn id="106" fill="hold">
+                      <p:stCondLst>
+                        <p:cond delay="indefinite"/>
+                      </p:stCondLst>
+                      <p:childTnLst>
+                        <p:par>
+                          <p:cTn id="107" fill="hold">
+                            <p:stCondLst>
+                              <p:cond delay="0"/>
+                            </p:stCondLst>
+                            <p:childTnLst>
+                              <p:par>
+                                <p:cTn id="108" presetID="10" presetClass="entr" presetSubtype="0" fill="hold" nodeType="clickEffect">
+                                  <p:stCondLst>
+                                    <p:cond delay="0"/>
+                                  </p:stCondLst>
+                                  <p:childTnLst>
+                                    <p:set>
+                                      <p:cBhvr>
+                                        <p:cTn id="109" dur="1" fill="hold">
+                                          <p:stCondLst>
+                                            <p:cond delay="0"/>
+                                          </p:stCondLst>
+                                        </p:cTn>
+                                        <p:tgtEl>
+                                          <p:spTgt spid="35"/>
+                                        </p:tgtEl>
+                                        <p:attrNameLst>
+                                          <p:attrName>style.visibility</p:attrName>
+                                        </p:attrNameLst>
+                                      </p:cBhvr>
+                                      <p:to>
+                                        <p:strVal val="visible"/>
+                                      </p:to>
+                                    </p:set>
+                                    <p:animEffect transition="in" filter="fade">
+                                      <p:cBhvr>
+                                        <p:cTn id="110" dur="500"/>
+                                        <p:tgtEl>
+                                          <p:spTgt spid="35"/>
+                                        </p:tgtEl>
+                                      </p:cBhvr>
+                                    </p:animEffect>
+                                  </p:childTnLst>
+                                </p:cTn>
+                              </p:par>
+                              <p:par>
+                                <p:cTn id="111" presetID="1" presetClass="exit" presetSubtype="0" fill="hold" nodeType="withEffect">
+                                  <p:stCondLst>
+                                    <p:cond delay="0"/>
+                                  </p:stCondLst>
+                                  <p:childTnLst>
+                                    <p:set>
+                                      <p:cBhvr>
+                                        <p:cTn id="112" dur="1" fill="hold">
+                                          <p:stCondLst>
+                                            <p:cond delay="0"/>
+                                          </p:stCondLst>
+                                        </p:cTn>
+                                        <p:tgtEl>
+                                          <p:spTgt spid="33"/>
+                                        </p:tgtEl>
+                                        <p:attrNameLst>
+                                          <p:attrName>style.visibility</p:attrName>
+                                        </p:attrNameLst>
+                                      </p:cBhvr>
+                                      <p:to>
+                                        <p:strVal val="hidden"/>
+                                      </p:to>
+                                    </p:set>
+                                  </p:childTnLst>
+                                </p:cTn>
+                              </p:par>
+                            </p:childTnLst>
+                          </p:cTn>
+                        </p:par>
+                      </p:childTnLst>
+                    </p:cTn>
+                  </p:par>
+                </p:childTnLst>
+              </p:cTn>
+              <p:prevCondLst>
+                <p:cond evt="onPrev" delay="0">
+                  <p:tgtEl>
+                    <p:sldTgt/>
+                  </p:tgtEl>
+                </p:cond>
+              </p:prevCondLst>
+              <p:nextCondLst>
+                <p:cond evt="onNext" delay="0">
+                  <p:tgtEl>
+                    <p:sldTgt/>
+                  </p:tgtEl>
+                </p:cond>
+              </p:nextCondLst>
+            </p:seq>
+          </p:childTnLst>
+        </p:cTn>
+      </p:par>
+    </p:tnLst>
+  </p:timing>
 </p:sld>
 </file>
 
@@ -10322,23 +12112,6 @@
 </file>
 
 <file path=customXml/item1.xml><?xml version="1.0" encoding="utf-8"?>
-<p:properties xmlns:p="http://schemas.microsoft.com/office/2006/metadata/properties" xmlns:xsi="http://www.w3.org/2001/XMLSchema-instance" xmlns:pc="http://schemas.microsoft.com/office/infopath/2007/PartnerControls">
-  <documentManagement>
-    <MediaServiceKeyPoints xmlns="71af3243-3dd4-4a8d-8c0d-dd76da1f02a5" xsi:nil="true"/>
-  </documentManagement>
-</p:properties>
-</file>
-
-<file path=customXml/item2.xml><?xml version="1.0" encoding="utf-8"?>
-<?mso-contentType ?>
-<FormTemplates xmlns="http://schemas.microsoft.com/sharepoint/v3/contenttype/forms">
-  <Display>DocumentLibraryForm</Display>
-  <Edit>DocumentLibraryForm</Edit>
-  <New>DocumentLibraryForm</New>
-</FormTemplates>
-</file>
-
-<file path=customXml/item3.xml><?xml version="1.0" encoding="utf-8"?>
 <ct:contentTypeSchema xmlns:ct="http://schemas.microsoft.com/office/2006/metadata/contentType" xmlns:ma="http://schemas.microsoft.com/office/2006/metadata/properties/metaAttributes" ct:_="" ma:_="" ma:contentTypeName="Document" ma:contentTypeID="0x01010079F111ED35F8CC479449609E8A0923A6" ma:contentTypeVersion="11" ma:contentTypeDescription="Create a new document." ma:contentTypeScope="" ma:versionID="9677210f24a1be23c92c90fd886aa0aa">
   <xsd:schema xmlns:xsd="http://www.w3.org/2001/XMLSchema" xmlns:xs="http://www.w3.org/2001/XMLSchema" xmlns:p="http://schemas.microsoft.com/office/2006/metadata/properties" xmlns:ns2="71af3243-3dd4-4a8d-8c0d-dd76da1f02a5" xmlns:ns3="16c05727-aa75-4e4a-9b5f-8a80a1165891" targetNamespace="http://schemas.microsoft.com/office/2006/metadata/properties" ma:root="true" ma:fieldsID="60e05723c5c1908df1a1a4ebf11d344e" ns2:_="" ns3:_="">
     <xsd:import namespace="71af3243-3dd4-4a8d-8c0d-dd76da1f02a5"/>
@@ -10549,25 +12322,24 @@
 </ct:contentTypeSchema>
 </file>
 
-<file path=customXml/itemProps1.xml><?xml version="1.0" encoding="utf-8"?>
-<ds:datastoreItem xmlns:ds="http://schemas.openxmlformats.org/officeDocument/2006/customXml" ds:itemID="{D7023227-530E-4024-91EF-312A851A758C}">
-  <ds:schemaRefs>
-    <ds:schemaRef ds:uri="http://schemas.microsoft.com/office/2006/metadata/properties"/>
-    <ds:schemaRef ds:uri="http://schemas.microsoft.com/office/infopath/2007/PartnerControls"/>
-    <ds:schemaRef ds:uri="71af3243-3dd4-4a8d-8c0d-dd76da1f02a5"/>
-  </ds:schemaRefs>
-</ds:datastoreItem>
+<file path=customXml/item2.xml><?xml version="1.0" encoding="utf-8"?>
+<?mso-contentType ?>
+<FormTemplates xmlns="http://schemas.microsoft.com/sharepoint/v3/contenttype/forms">
+  <Display>DocumentLibraryForm</Display>
+  <Edit>DocumentLibraryForm</Edit>
+  <New>DocumentLibraryForm</New>
+</FormTemplates>
 </file>
 
-<file path=customXml/itemProps2.xml><?xml version="1.0" encoding="utf-8"?>
-<ds:datastoreItem xmlns:ds="http://schemas.openxmlformats.org/officeDocument/2006/customXml" ds:itemID="{33315AA3-EAE3-44ED-8368-BAC2FFFB4817}">
-  <ds:schemaRefs>
-    <ds:schemaRef ds:uri="http://schemas.microsoft.com/sharepoint/v3/contenttype/forms"/>
-  </ds:schemaRefs>
-</ds:datastoreItem>
+<file path=customXml/item3.xml><?xml version="1.0" encoding="utf-8"?>
+<p:properties xmlns:p="http://schemas.microsoft.com/office/2006/metadata/properties" xmlns:xsi="http://www.w3.org/2001/XMLSchema-instance" xmlns:pc="http://schemas.microsoft.com/office/infopath/2007/PartnerControls">
+  <documentManagement>
+    <MediaServiceKeyPoints xmlns="71af3243-3dd4-4a8d-8c0d-dd76da1f02a5" xsi:nil="true"/>
+  </documentManagement>
+</p:properties>
 </file>
 
-<file path=customXml/itemProps3.xml><?xml version="1.0" encoding="utf-8"?>
+<file path=customXml/itemProps1.xml><?xml version="1.0" encoding="utf-8"?>
 <ds:datastoreItem xmlns:ds="http://schemas.openxmlformats.org/officeDocument/2006/customXml" ds:itemID="{627C19A7-3107-4CB2-BD0D-F7C79BE028CC}">
   <ds:schemaRefs>
     <ds:schemaRef ds:uri="http://schemas.microsoft.com/office/2006/metadata/contentType"/>
@@ -10584,4 +12356,22 @@
     <ds:schemaRef ds:uri="http://schemas.microsoft.com/internal/obd"/>
   </ds:schemaRefs>
 </ds:datastoreItem>
+</file>
+
+<file path=customXml/itemProps2.xml><?xml version="1.0" encoding="utf-8"?>
+<ds:datastoreItem xmlns:ds="http://schemas.openxmlformats.org/officeDocument/2006/customXml" ds:itemID="{33315AA3-EAE3-44ED-8368-BAC2FFFB4817}">
+  <ds:schemaRefs>
+    <ds:schemaRef ds:uri="http://schemas.microsoft.com/sharepoint/v3/contenttype/forms"/>
+  </ds:schemaRefs>
+</ds:datastoreItem>
+</file>
+
+<file path=customXml/itemProps3.xml><?xml version="1.0" encoding="utf-8"?>
+<ds:datastoreItem xmlns:ds="http://schemas.openxmlformats.org/officeDocument/2006/customXml" ds:itemID="{D7023227-530E-4024-91EF-312A851A758C}">
+  <ds:schemaRefs>
+    <ds:schemaRef ds:uri="http://schemas.microsoft.com/office/2006/metadata/properties"/>
+    <ds:schemaRef ds:uri="http://schemas.microsoft.com/office/infopath/2007/PartnerControls"/>
+    <ds:schemaRef ds:uri="71af3243-3dd4-4a8d-8c0d-dd76da1f02a5"/>
+  </ds:schemaRefs>
+</ds:datastoreItem>
 </file>